--- a/CSCI4836-HW04-Presentation.pptx
+++ b/CSCI4836-HW04-Presentation.pptx
@@ -5,23 +5,29 @@
     <p:sldMasterId id="2147483648" r:id="rId1"/>
   </p:sldMasterIdLst>
   <p:notesMasterIdLst>
-    <p:notesMasterId r:id="rId16"/>
+    <p:notesMasterId r:id="rId22"/>
   </p:notesMasterIdLst>
   <p:sldIdLst>
     <p:sldId id="256" r:id="rId2"/>
-    <p:sldId id="258" r:id="rId3"/>
+    <p:sldId id="562" r:id="rId3"/>
     <p:sldId id="541" r:id="rId4"/>
-    <p:sldId id="552" r:id="rId5"/>
-    <p:sldId id="542" r:id="rId6"/>
-    <p:sldId id="543" r:id="rId7"/>
-    <p:sldId id="545" r:id="rId8"/>
+    <p:sldId id="542" r:id="rId5"/>
+    <p:sldId id="543" r:id="rId6"/>
+    <p:sldId id="545" r:id="rId7"/>
+    <p:sldId id="554" r:id="rId8"/>
     <p:sldId id="544" r:id="rId9"/>
-    <p:sldId id="546" r:id="rId10"/>
-    <p:sldId id="547" r:id="rId11"/>
-    <p:sldId id="549" r:id="rId12"/>
-    <p:sldId id="550" r:id="rId13"/>
-    <p:sldId id="551" r:id="rId14"/>
-    <p:sldId id="548" r:id="rId15"/>
+    <p:sldId id="559" r:id="rId10"/>
+    <p:sldId id="546" r:id="rId11"/>
+    <p:sldId id="547" r:id="rId12"/>
+    <p:sldId id="557" r:id="rId13"/>
+    <p:sldId id="549" r:id="rId14"/>
+    <p:sldId id="558" r:id="rId15"/>
+    <p:sldId id="560" r:id="rId16"/>
+    <p:sldId id="561" r:id="rId17"/>
+    <p:sldId id="551" r:id="rId18"/>
+    <p:sldId id="555" r:id="rId19"/>
+    <p:sldId id="556" r:id="rId20"/>
+    <p:sldId id="548" r:id="rId21"/>
   </p:sldIdLst>
   <p:sldSz cx="9144000" cy="6858000" type="screen4x3"/>
   <p:notesSz cx="6858000" cy="9144000"/>
@@ -120,6 +126,22 @@
       </a:defRPr>
     </a:lvl9pPr>
   </p:defaultTextStyle>
+  <p:extLst>
+    <p:ext uri="{EFAFB233-063F-42B5-8137-9DF3F51BA10A}">
+      <p15:sldGuideLst xmlns:p15="http://schemas.microsoft.com/office/powerpoint/2012/main">
+        <p15:guide id="1" orient="horz" pos="2160">
+          <p15:clr>
+            <a:srgbClr val="A4A3A4"/>
+          </p15:clr>
+        </p15:guide>
+        <p15:guide id="2" pos="2880">
+          <p15:clr>
+            <a:srgbClr val="A4A3A4"/>
+          </p15:clr>
+        </p15:guide>
+      </p15:sldGuideLst>
+    </p:ext>
+  </p:extLst>
 </p:presentation>
 </file>
 
@@ -206,7 +228,7 @@
             <a:fld id="{FE3A2170-C3D1-4C04-A218-F99B2C9D40CA}" type="datetimeFigureOut">
               <a:rPr lang="en-US" smtClean="0"/>
               <a:pPr/>
-              <a:t>8/27/2018</a:t>
+              <a:t>12/8/2018</a:t>
             </a:fld>
             <a:endParaRPr lang="en-US"/>
           </a:p>
@@ -272,38 +294,37 @@
           <a:p>
             <a:pPr lvl="0"/>
             <a:r>
-              <a:rPr lang="en-US" smtClean="0"/>
+              <a:rPr lang="en-US"/>
               <a:t>Click to edit Master text styles</a:t>
             </a:r>
           </a:p>
           <a:p>
             <a:pPr lvl="1"/>
             <a:r>
-              <a:rPr lang="en-US" smtClean="0"/>
+              <a:rPr lang="en-US"/>
               <a:t>Second level</a:t>
             </a:r>
           </a:p>
           <a:p>
             <a:pPr lvl="2"/>
             <a:r>
-              <a:rPr lang="en-US" smtClean="0"/>
+              <a:rPr lang="en-US"/>
               <a:t>Third level</a:t>
             </a:r>
           </a:p>
           <a:p>
             <a:pPr lvl="3"/>
             <a:r>
-              <a:rPr lang="en-US" smtClean="0"/>
+              <a:rPr lang="en-US"/>
               <a:t>Fourth level</a:t>
             </a:r>
           </a:p>
           <a:p>
             <a:pPr lvl="4"/>
             <a:r>
-              <a:rPr lang="en-US" smtClean="0"/>
+              <a:rPr lang="en-US"/>
               <a:t>Fifth level</a:t>
             </a:r>
-            <a:endParaRPr lang="en-US"/>
           </a:p>
         </p:txBody>
       </p:sp>
@@ -375,6 +396,11 @@
         </p:txBody>
       </p:sp>
     </p:spTree>
+    <p:extLst>
+      <p:ext uri="{BB962C8B-B14F-4D97-AF65-F5344CB8AC3E}">
+        <p14:creationId xmlns:p14="http://schemas.microsoft.com/office/powerpoint/2010/main" val="485751269"/>
+      </p:ext>
+    </p:extLst>
   </p:cSld>
   <p:clrMap bg1="lt1" tx1="dk1" bg2="lt2" tx2="dk2" accent1="accent1" accent2="accent2" accent3="accent3" accent4="accent4" accent5="accent5" accent6="accent6" hlink="hlink" folHlink="folHlink"/>
   <p:notesStyle>
@@ -547,6 +573,11 @@
         </p:txBody>
       </p:sp>
     </p:spTree>
+    <p:extLst>
+      <p:ext uri="{BB962C8B-B14F-4D97-AF65-F5344CB8AC3E}">
+        <p14:creationId xmlns:p14="http://schemas.microsoft.com/office/powerpoint/2010/main" val="3296578450"/>
+      </p:ext>
+    </p:extLst>
   </p:cSld>
   <p:clrMapOvr>
     <a:masterClrMapping/>
@@ -555,6 +586,112 @@
 </file>
 
 <file path=ppt/notesSlides/notesSlide2.xml><?xml version="1.0" encoding="utf-8"?>
+<p:notes xmlns:a="http://schemas.openxmlformats.org/drawingml/2006/main" xmlns:r="http://schemas.openxmlformats.org/officeDocument/2006/relationships" xmlns:p="http://schemas.openxmlformats.org/presentationml/2006/main" showMasterSp="0" showMasterPhAnim="0">
+  <p:cSld>
+    <p:spTree>
+      <p:nvGrpSpPr>
+        <p:cNvPr id="1" name="Shape 176"/>
+        <p:cNvGrpSpPr/>
+        <p:nvPr/>
+      </p:nvGrpSpPr>
+      <p:grpSpPr>
+        <a:xfrm>
+          <a:off x="0" y="0"/>
+          <a:ext cx="0" cy="0"/>
+          <a:chOff x="0" y="0"/>
+          <a:chExt cx="0" cy="0"/>
+        </a:xfrm>
+      </p:grpSpPr>
+      <p:sp>
+        <p:nvSpPr>
+          <p:cNvPr id="177" name="Shape 177"/>
+          <p:cNvSpPr txBox="1">
+            <a:spLocks noGrp="1"/>
+          </p:cNvSpPr>
+          <p:nvPr>
+            <p:ph type="body" idx="1"/>
+          </p:nvPr>
+        </p:nvSpPr>
+        <p:spPr>
+          <a:xfrm>
+            <a:off x="685800" y="4343400"/>
+            <a:ext cx="5486400" cy="4114800"/>
+          </a:xfrm>
+          <a:prstGeom prst="rect">
+            <a:avLst/>
+          </a:prstGeom>
+        </p:spPr>
+        <p:txBody>
+          <a:bodyPr wrap="square" lIns="91425" tIns="91425" rIns="91425" bIns="91425" anchor="t" anchorCtr="0">
+            <a:noAutofit/>
+          </a:bodyPr>
+          <a:lstStyle/>
+          <a:p>
+            <a:pPr marL="0" lvl="0" indent="0">
+              <a:spcBef>
+                <a:spcPts val="0"/>
+              </a:spcBef>
+              <a:buNone/>
+            </a:pPr>
+            <a:endParaRPr/>
+          </a:p>
+        </p:txBody>
+      </p:sp>
+      <p:sp>
+        <p:nvSpPr>
+          <p:cNvPr id="178" name="Shape 178"/>
+          <p:cNvSpPr>
+            <a:spLocks noGrp="1" noRot="1" noChangeAspect="1"/>
+          </p:cNvSpPr>
+          <p:nvPr>
+            <p:ph type="sldImg" idx="2"/>
+          </p:nvPr>
+        </p:nvSpPr>
+        <p:spPr>
+          <a:xfrm>
+            <a:off x="1143000" y="685800"/>
+            <a:ext cx="4572000" cy="3429000"/>
+          </a:xfrm>
+          <a:custGeom>
+            <a:avLst/>
+            <a:gdLst/>
+            <a:ahLst/>
+            <a:cxnLst/>
+            <a:rect l="0" t="0" r="0" b="0"/>
+            <a:pathLst>
+              <a:path w="120000" h="120000" extrusionOk="0">
+                <a:moveTo>
+                  <a:pt x="0" y="0"/>
+                </a:moveTo>
+                <a:lnTo>
+                  <a:pt x="120000" y="0"/>
+                </a:lnTo>
+                <a:lnTo>
+                  <a:pt x="120000" y="120000"/>
+                </a:lnTo>
+                <a:lnTo>
+                  <a:pt x="0" y="120000"/>
+                </a:lnTo>
+                <a:close/>
+              </a:path>
+            </a:pathLst>
+          </a:custGeom>
+        </p:spPr>
+      </p:sp>
+    </p:spTree>
+    <p:extLst>
+      <p:ext uri="{BB962C8B-B14F-4D97-AF65-F5344CB8AC3E}">
+        <p14:creationId xmlns:p14="http://schemas.microsoft.com/office/powerpoint/2010/main" val="3955105031"/>
+      </p:ext>
+    </p:extLst>
+  </p:cSld>
+  <p:clrMapOvr>
+    <a:masterClrMapping/>
+  </p:clrMapOvr>
+</p:notes>
+</file>
+
+<file path=ppt/notesSlides/notesSlide3.xml><?xml version="1.0" encoding="utf-8"?>
 <p:notes xmlns:a="http://schemas.openxmlformats.org/drawingml/2006/main" xmlns:r="http://schemas.openxmlformats.org/officeDocument/2006/relationships" xmlns:p="http://schemas.openxmlformats.org/presentationml/2006/main">
   <p:cSld>
     <p:spTree>
@@ -622,13 +759,18 @@
             <a:fld id="{4B7A1994-01CA-46CB-AA71-B6002C49F991}" type="slidenum">
               <a:rPr lang="en-US" smtClean="0"/>
               <a:pPr/>
-              <a:t>14</a:t>
+              <a:t>20</a:t>
             </a:fld>
             <a:endParaRPr lang="en-US"/>
           </a:p>
         </p:txBody>
       </p:sp>
     </p:spTree>
+    <p:extLst>
+      <p:ext uri="{BB962C8B-B14F-4D97-AF65-F5344CB8AC3E}">
+        <p14:creationId xmlns:p14="http://schemas.microsoft.com/office/powerpoint/2010/main" val="2674665250"/>
+      </p:ext>
+    </p:extLst>
   </p:cSld>
   <p:clrMapOvr>
     <a:masterClrMapping/>
@@ -678,10 +820,9 @@
           </a:lstStyle>
           <a:p>
             <a:r>
-              <a:rPr lang="en-US" smtClean="0"/>
+              <a:rPr lang="en-US"/>
               <a:t>Click to edit Master title style</a:t>
             </a:r>
-            <a:endParaRPr lang="en-US"/>
           </a:p>
         </p:txBody>
       </p:sp>
@@ -797,10 +938,9 @@
           </a:lstStyle>
           <a:p>
             <a:r>
-              <a:rPr lang="en-US" smtClean="0"/>
+              <a:rPr lang="en-US"/>
               <a:t>Click to edit Master subtitle style</a:t>
             </a:r>
-            <a:endParaRPr lang="en-US"/>
           </a:p>
         </p:txBody>
       </p:sp>
@@ -822,7 +962,7 @@
             <a:fld id="{83E5EE5E-2BFB-4159-89CB-07257F483B3F}" type="datetimeFigureOut">
               <a:rPr lang="en-US" smtClean="0"/>
               <a:pPr/>
-              <a:t>8/27/2018</a:t>
+              <a:t>12/8/2018</a:t>
             </a:fld>
             <a:endParaRPr lang="en-US"/>
           </a:p>
@@ -920,10 +1060,9 @@
           <a:lstStyle/>
           <a:p>
             <a:r>
-              <a:rPr lang="en-US" smtClean="0"/>
+              <a:rPr lang="en-US"/>
               <a:t>Click to edit Master title style</a:t>
             </a:r>
-            <a:endParaRPr lang="en-US"/>
           </a:p>
         </p:txBody>
       </p:sp>
@@ -944,38 +1083,37 @@
           <a:p>
             <a:pPr lvl="0"/>
             <a:r>
-              <a:rPr lang="en-US" smtClean="0"/>
+              <a:rPr lang="en-US"/>
               <a:t>Click to edit Master text styles</a:t>
             </a:r>
           </a:p>
           <a:p>
             <a:pPr lvl="1"/>
             <a:r>
-              <a:rPr lang="en-US" smtClean="0"/>
+              <a:rPr lang="en-US"/>
               <a:t>Second level</a:t>
             </a:r>
           </a:p>
           <a:p>
             <a:pPr lvl="2"/>
             <a:r>
-              <a:rPr lang="en-US" smtClean="0"/>
+              <a:rPr lang="en-US"/>
               <a:t>Third level</a:t>
             </a:r>
           </a:p>
           <a:p>
             <a:pPr lvl="3"/>
             <a:r>
-              <a:rPr lang="en-US" smtClean="0"/>
+              <a:rPr lang="en-US"/>
               <a:t>Fourth level</a:t>
             </a:r>
           </a:p>
           <a:p>
             <a:pPr lvl="4"/>
             <a:r>
-              <a:rPr lang="en-US" smtClean="0"/>
+              <a:rPr lang="en-US"/>
               <a:t>Fifth level</a:t>
             </a:r>
-            <a:endParaRPr lang="en-US"/>
           </a:p>
         </p:txBody>
       </p:sp>
@@ -997,7 +1135,7 @@
             <a:fld id="{83E5EE5E-2BFB-4159-89CB-07257F483B3F}" type="datetimeFigureOut">
               <a:rPr lang="en-US" smtClean="0"/>
               <a:pPr/>
-              <a:t>8/27/2018</a:t>
+              <a:t>12/8/2018</a:t>
             </a:fld>
             <a:endParaRPr lang="en-US"/>
           </a:p>
@@ -1100,10 +1238,9 @@
           <a:lstStyle/>
           <a:p>
             <a:r>
-              <a:rPr lang="en-US" smtClean="0"/>
+              <a:rPr lang="en-US"/>
               <a:t>Click to edit Master title style</a:t>
             </a:r>
-            <a:endParaRPr lang="en-US"/>
           </a:p>
         </p:txBody>
       </p:sp>
@@ -1129,38 +1266,37 @@
           <a:p>
             <a:pPr lvl="0"/>
             <a:r>
-              <a:rPr lang="en-US" smtClean="0"/>
+              <a:rPr lang="en-US"/>
               <a:t>Click to edit Master text styles</a:t>
             </a:r>
           </a:p>
           <a:p>
             <a:pPr lvl="1"/>
             <a:r>
-              <a:rPr lang="en-US" smtClean="0"/>
+              <a:rPr lang="en-US"/>
               <a:t>Second level</a:t>
             </a:r>
           </a:p>
           <a:p>
             <a:pPr lvl="2"/>
             <a:r>
-              <a:rPr lang="en-US" smtClean="0"/>
+              <a:rPr lang="en-US"/>
               <a:t>Third level</a:t>
             </a:r>
           </a:p>
           <a:p>
             <a:pPr lvl="3"/>
             <a:r>
-              <a:rPr lang="en-US" smtClean="0"/>
+              <a:rPr lang="en-US"/>
               <a:t>Fourth level</a:t>
             </a:r>
           </a:p>
           <a:p>
             <a:pPr lvl="4"/>
             <a:r>
-              <a:rPr lang="en-US" smtClean="0"/>
+              <a:rPr lang="en-US"/>
               <a:t>Fifth level</a:t>
             </a:r>
-            <a:endParaRPr lang="en-US"/>
           </a:p>
         </p:txBody>
       </p:sp>
@@ -1182,7 +1318,7 @@
             <a:fld id="{83E5EE5E-2BFB-4159-89CB-07257F483B3F}" type="datetimeFigureOut">
               <a:rPr lang="en-US" smtClean="0"/>
               <a:pPr/>
-              <a:t>8/27/2018</a:t>
+              <a:t>12/8/2018</a:t>
             </a:fld>
             <a:endParaRPr lang="en-US"/>
           </a:p>
@@ -1285,10 +1421,9 @@
           <a:lstStyle/>
           <a:p>
             <a:r>
-              <a:rPr lang="en-US" smtClean="0"/>
+              <a:rPr lang="en-US"/>
               <a:t>Click to edit Master title style</a:t>
             </a:r>
-            <a:endParaRPr lang="en-US"/>
           </a:p>
         </p:txBody>
       </p:sp>
@@ -1314,38 +1449,37 @@
           <a:p>
             <a:pPr lvl="0"/>
             <a:r>
-              <a:rPr lang="en-US" smtClean="0"/>
+              <a:rPr lang="en-US"/>
               <a:t>Click to edit Master text styles</a:t>
             </a:r>
           </a:p>
           <a:p>
             <a:pPr lvl="1"/>
             <a:r>
-              <a:rPr lang="en-US" smtClean="0"/>
+              <a:rPr lang="en-US"/>
               <a:t>Second level</a:t>
             </a:r>
           </a:p>
           <a:p>
             <a:pPr lvl="2"/>
             <a:r>
-              <a:rPr lang="en-US" smtClean="0"/>
+              <a:rPr lang="en-US"/>
               <a:t>Third level</a:t>
             </a:r>
           </a:p>
           <a:p>
             <a:pPr lvl="3"/>
             <a:r>
-              <a:rPr lang="en-US" smtClean="0"/>
+              <a:rPr lang="en-US"/>
               <a:t>Fourth level</a:t>
             </a:r>
           </a:p>
           <a:p>
             <a:pPr lvl="4"/>
             <a:r>
-              <a:rPr lang="en-US" smtClean="0"/>
+              <a:rPr lang="en-US"/>
               <a:t>Fifth level</a:t>
             </a:r>
-            <a:endParaRPr lang="en-US"/>
           </a:p>
         </p:txBody>
       </p:sp>
@@ -1371,38 +1505,37 @@
           <a:p>
             <a:pPr lvl="0"/>
             <a:r>
-              <a:rPr lang="en-US" smtClean="0"/>
+              <a:rPr lang="en-US"/>
               <a:t>Click to edit Master text styles</a:t>
             </a:r>
           </a:p>
           <a:p>
             <a:pPr lvl="1"/>
             <a:r>
-              <a:rPr lang="en-US" smtClean="0"/>
+              <a:rPr lang="en-US"/>
               <a:t>Second level</a:t>
             </a:r>
           </a:p>
           <a:p>
             <a:pPr lvl="2"/>
             <a:r>
-              <a:rPr lang="en-US" smtClean="0"/>
+              <a:rPr lang="en-US"/>
               <a:t>Third level</a:t>
             </a:r>
           </a:p>
           <a:p>
             <a:pPr lvl="3"/>
             <a:r>
-              <a:rPr lang="en-US" smtClean="0"/>
+              <a:rPr lang="en-US"/>
               <a:t>Fourth level</a:t>
             </a:r>
           </a:p>
           <a:p>
             <a:pPr lvl="4"/>
             <a:r>
-              <a:rPr lang="en-US" smtClean="0"/>
+              <a:rPr lang="en-US"/>
               <a:t>Fifth level</a:t>
             </a:r>
-            <a:endParaRPr lang="en-US"/>
           </a:p>
         </p:txBody>
       </p:sp>
@@ -1546,38 +1679,37 @@
           <a:p>
             <a:pPr lvl="0"/>
             <a:r>
-              <a:rPr lang="en-US" dirty="0" smtClean="0"/>
+              <a:rPr lang="en-US" dirty="0"/>
               <a:t>Click to edit Master text styles</a:t>
             </a:r>
           </a:p>
           <a:p>
             <a:pPr lvl="1"/>
             <a:r>
-              <a:rPr lang="en-US" dirty="0" smtClean="0"/>
+              <a:rPr lang="en-US" dirty="0"/>
               <a:t>Second level</a:t>
             </a:r>
           </a:p>
           <a:p>
             <a:pPr lvl="2"/>
             <a:r>
-              <a:rPr lang="en-US" dirty="0" smtClean="0"/>
+              <a:rPr lang="en-US" dirty="0"/>
               <a:t>Third level</a:t>
             </a:r>
           </a:p>
           <a:p>
             <a:pPr lvl="3"/>
             <a:r>
-              <a:rPr lang="en-US" dirty="0" smtClean="0"/>
+              <a:rPr lang="en-US" dirty="0"/>
               <a:t>Fourth level</a:t>
             </a:r>
           </a:p>
           <a:p>
             <a:pPr lvl="4"/>
             <a:r>
-              <a:rPr lang="en-US" dirty="0" smtClean="0"/>
+              <a:rPr lang="en-US" dirty="0"/>
               <a:t>Fifth level</a:t>
             </a:r>
-            <a:endParaRPr lang="en-US" dirty="0"/>
           </a:p>
         </p:txBody>
       </p:sp>
@@ -1597,10 +1729,9 @@
           <a:lstStyle/>
           <a:p>
             <a:r>
-              <a:rPr lang="en-US" smtClean="0"/>
+              <a:rPr lang="en-US"/>
               <a:t>Click to edit Master title style</a:t>
             </a:r>
-            <a:endParaRPr lang="en-US"/>
           </a:p>
         </p:txBody>
       </p:sp>
@@ -1622,7 +1753,7 @@
             <a:fld id="{83E5EE5E-2BFB-4159-89CB-07257F483B3F}" type="datetimeFigureOut">
               <a:rPr lang="en-US" smtClean="0"/>
               <a:pPr/>
-              <a:t>8/27/2018</a:t>
+              <a:t>12/8/2018</a:t>
             </a:fld>
             <a:endParaRPr lang="en-US" dirty="0"/>
           </a:p>
@@ -1702,10 +1833,9 @@
           </a:lstStyle>
           <a:p>
             <a:r>
-              <a:rPr lang="en-US" smtClean="0"/>
+              <a:rPr lang="en-US"/>
               <a:t>Click to edit Master title style</a:t>
             </a:r>
-            <a:endParaRPr lang="en-US"/>
           </a:p>
         </p:txBody>
       </p:sp>
@@ -1822,7 +1952,7 @@
           <a:p>
             <a:pPr lvl="0"/>
             <a:r>
-              <a:rPr lang="en-US" smtClean="0"/>
+              <a:rPr lang="en-US"/>
               <a:t>Click to edit Master text styles</a:t>
             </a:r>
           </a:p>
@@ -1846,7 +1976,7 @@
             <a:fld id="{83E5EE5E-2BFB-4159-89CB-07257F483B3F}" type="datetimeFigureOut">
               <a:rPr lang="en-US" smtClean="0"/>
               <a:pPr/>
-              <a:t>8/27/2018</a:t>
+              <a:t>12/8/2018</a:t>
             </a:fld>
             <a:endParaRPr lang="en-US"/>
           </a:p>
@@ -1944,10 +2074,9 @@
           <a:lstStyle/>
           <a:p>
             <a:r>
-              <a:rPr lang="en-US" smtClean="0"/>
+              <a:rPr lang="en-US"/>
               <a:t>Click to edit Master title style</a:t>
             </a:r>
-            <a:endParaRPr lang="en-US"/>
           </a:p>
         </p:txBody>
       </p:sp>
@@ -2001,38 +2130,37 @@
           <a:p>
             <a:pPr lvl="0"/>
             <a:r>
-              <a:rPr lang="en-US" smtClean="0"/>
+              <a:rPr lang="en-US"/>
               <a:t>Click to edit Master text styles</a:t>
             </a:r>
           </a:p>
           <a:p>
             <a:pPr lvl="1"/>
             <a:r>
-              <a:rPr lang="en-US" smtClean="0"/>
+              <a:rPr lang="en-US"/>
               <a:t>Second level</a:t>
             </a:r>
           </a:p>
           <a:p>
             <a:pPr lvl="2"/>
             <a:r>
-              <a:rPr lang="en-US" smtClean="0"/>
+              <a:rPr lang="en-US"/>
               <a:t>Third level</a:t>
             </a:r>
           </a:p>
           <a:p>
             <a:pPr lvl="3"/>
             <a:r>
-              <a:rPr lang="en-US" smtClean="0"/>
+              <a:rPr lang="en-US"/>
               <a:t>Fourth level</a:t>
             </a:r>
           </a:p>
           <a:p>
             <a:pPr lvl="4"/>
             <a:r>
-              <a:rPr lang="en-US" smtClean="0"/>
+              <a:rPr lang="en-US"/>
               <a:t>Fifth level</a:t>
             </a:r>
-            <a:endParaRPr lang="en-US"/>
           </a:p>
         </p:txBody>
       </p:sp>
@@ -2086,38 +2214,37 @@
           <a:p>
             <a:pPr lvl="0"/>
             <a:r>
-              <a:rPr lang="en-US" smtClean="0"/>
+              <a:rPr lang="en-US"/>
               <a:t>Click to edit Master text styles</a:t>
             </a:r>
           </a:p>
           <a:p>
             <a:pPr lvl="1"/>
             <a:r>
-              <a:rPr lang="en-US" smtClean="0"/>
+              <a:rPr lang="en-US"/>
               <a:t>Second level</a:t>
             </a:r>
           </a:p>
           <a:p>
             <a:pPr lvl="2"/>
             <a:r>
-              <a:rPr lang="en-US" smtClean="0"/>
+              <a:rPr lang="en-US"/>
               <a:t>Third level</a:t>
             </a:r>
           </a:p>
           <a:p>
             <a:pPr lvl="3"/>
             <a:r>
-              <a:rPr lang="en-US" smtClean="0"/>
+              <a:rPr lang="en-US"/>
               <a:t>Fourth level</a:t>
             </a:r>
           </a:p>
           <a:p>
             <a:pPr lvl="4"/>
             <a:r>
-              <a:rPr lang="en-US" smtClean="0"/>
+              <a:rPr lang="en-US"/>
               <a:t>Fifth level</a:t>
             </a:r>
-            <a:endParaRPr lang="en-US"/>
           </a:p>
         </p:txBody>
       </p:sp>
@@ -2139,7 +2266,7 @@
             <a:fld id="{83E5EE5E-2BFB-4159-89CB-07257F483B3F}" type="datetimeFigureOut">
               <a:rPr lang="en-US" smtClean="0"/>
               <a:pPr/>
-              <a:t>8/27/2018</a:t>
+              <a:t>12/8/2018</a:t>
             </a:fld>
             <a:endParaRPr lang="en-US"/>
           </a:p>
@@ -2241,10 +2368,9 @@
           </a:lstStyle>
           <a:p>
             <a:r>
-              <a:rPr lang="en-US" smtClean="0"/>
+              <a:rPr lang="en-US"/>
               <a:t>Click to edit Master title style</a:t>
             </a:r>
-            <a:endParaRPr lang="en-US"/>
           </a:p>
         </p:txBody>
       </p:sp>
@@ -2307,7 +2433,7 @@
           <a:p>
             <a:pPr lvl="0"/>
             <a:r>
-              <a:rPr lang="en-US" smtClean="0"/>
+              <a:rPr lang="en-US"/>
               <a:t>Click to edit Master text styles</a:t>
             </a:r>
           </a:p>
@@ -2363,38 +2489,37 @@
           <a:p>
             <a:pPr lvl="0"/>
             <a:r>
-              <a:rPr lang="en-US" smtClean="0"/>
+              <a:rPr lang="en-US"/>
               <a:t>Click to edit Master text styles</a:t>
             </a:r>
           </a:p>
           <a:p>
             <a:pPr lvl="1"/>
             <a:r>
-              <a:rPr lang="en-US" smtClean="0"/>
+              <a:rPr lang="en-US"/>
               <a:t>Second level</a:t>
             </a:r>
           </a:p>
           <a:p>
             <a:pPr lvl="2"/>
             <a:r>
-              <a:rPr lang="en-US" smtClean="0"/>
+              <a:rPr lang="en-US"/>
               <a:t>Third level</a:t>
             </a:r>
           </a:p>
           <a:p>
             <a:pPr lvl="3"/>
             <a:r>
-              <a:rPr lang="en-US" smtClean="0"/>
+              <a:rPr lang="en-US"/>
               <a:t>Fourth level</a:t>
             </a:r>
           </a:p>
           <a:p>
             <a:pPr lvl="4"/>
             <a:r>
-              <a:rPr lang="en-US" smtClean="0"/>
+              <a:rPr lang="en-US"/>
               <a:t>Fifth level</a:t>
             </a:r>
-            <a:endParaRPr lang="en-US"/>
           </a:p>
         </p:txBody>
       </p:sp>
@@ -2457,7 +2582,7 @@
           <a:p>
             <a:pPr lvl="0"/>
             <a:r>
-              <a:rPr lang="en-US" smtClean="0"/>
+              <a:rPr lang="en-US"/>
               <a:t>Click to edit Master text styles</a:t>
             </a:r>
           </a:p>
@@ -2513,38 +2638,37 @@
           <a:p>
             <a:pPr lvl="0"/>
             <a:r>
-              <a:rPr lang="en-US" smtClean="0"/>
+              <a:rPr lang="en-US"/>
               <a:t>Click to edit Master text styles</a:t>
             </a:r>
           </a:p>
           <a:p>
             <a:pPr lvl="1"/>
             <a:r>
-              <a:rPr lang="en-US" smtClean="0"/>
+              <a:rPr lang="en-US"/>
               <a:t>Second level</a:t>
             </a:r>
           </a:p>
           <a:p>
             <a:pPr lvl="2"/>
             <a:r>
-              <a:rPr lang="en-US" smtClean="0"/>
+              <a:rPr lang="en-US"/>
               <a:t>Third level</a:t>
             </a:r>
           </a:p>
           <a:p>
             <a:pPr lvl="3"/>
             <a:r>
-              <a:rPr lang="en-US" smtClean="0"/>
+              <a:rPr lang="en-US"/>
               <a:t>Fourth level</a:t>
             </a:r>
           </a:p>
           <a:p>
             <a:pPr lvl="4"/>
             <a:r>
-              <a:rPr lang="en-US" smtClean="0"/>
+              <a:rPr lang="en-US"/>
               <a:t>Fifth level</a:t>
             </a:r>
-            <a:endParaRPr lang="en-US"/>
           </a:p>
         </p:txBody>
       </p:sp>
@@ -2566,7 +2690,7 @@
             <a:fld id="{83E5EE5E-2BFB-4159-89CB-07257F483B3F}" type="datetimeFigureOut">
               <a:rPr lang="en-US" smtClean="0"/>
               <a:pPr/>
-              <a:t>8/27/2018</a:t>
+              <a:t>12/8/2018</a:t>
             </a:fld>
             <a:endParaRPr lang="en-US"/>
           </a:p>
@@ -2664,10 +2788,9 @@
           <a:lstStyle/>
           <a:p>
             <a:r>
-              <a:rPr lang="en-US" smtClean="0"/>
+              <a:rPr lang="en-US"/>
               <a:t>Click to edit Master title style</a:t>
             </a:r>
-            <a:endParaRPr lang="en-US"/>
           </a:p>
         </p:txBody>
       </p:sp>
@@ -2689,7 +2812,7 @@
             <a:fld id="{83E5EE5E-2BFB-4159-89CB-07257F483B3F}" type="datetimeFigureOut">
               <a:rPr lang="en-US" smtClean="0"/>
               <a:pPr/>
-              <a:t>8/27/2018</a:t>
+              <a:t>12/8/2018</a:t>
             </a:fld>
             <a:endParaRPr lang="en-US"/>
           </a:p>
@@ -2789,7 +2912,7 @@
             <a:fld id="{83E5EE5E-2BFB-4159-89CB-07257F483B3F}" type="datetimeFigureOut">
               <a:rPr lang="en-US" smtClean="0"/>
               <a:pPr/>
-              <a:t>8/27/2018</a:t>
+              <a:t>12/8/2018</a:t>
             </a:fld>
             <a:endParaRPr lang="en-US"/>
           </a:p>
@@ -2896,10 +3019,9 @@
           </a:lstStyle>
           <a:p>
             <a:r>
-              <a:rPr lang="en-US" smtClean="0"/>
+              <a:rPr lang="en-US"/>
               <a:t>Click to edit Master title style</a:t>
             </a:r>
-            <a:endParaRPr lang="en-US"/>
           </a:p>
         </p:txBody>
       </p:sp>
@@ -2953,38 +3075,37 @@
           <a:p>
             <a:pPr lvl="0"/>
             <a:r>
-              <a:rPr lang="en-US" smtClean="0"/>
+              <a:rPr lang="en-US"/>
               <a:t>Click to edit Master text styles</a:t>
             </a:r>
           </a:p>
           <a:p>
             <a:pPr lvl="1"/>
             <a:r>
-              <a:rPr lang="en-US" smtClean="0"/>
+              <a:rPr lang="en-US"/>
               <a:t>Second level</a:t>
             </a:r>
           </a:p>
           <a:p>
             <a:pPr lvl="2"/>
             <a:r>
-              <a:rPr lang="en-US" smtClean="0"/>
+              <a:rPr lang="en-US"/>
               <a:t>Third level</a:t>
             </a:r>
           </a:p>
           <a:p>
             <a:pPr lvl="3"/>
             <a:r>
-              <a:rPr lang="en-US" smtClean="0"/>
+              <a:rPr lang="en-US"/>
               <a:t>Fourth level</a:t>
             </a:r>
           </a:p>
           <a:p>
             <a:pPr lvl="4"/>
             <a:r>
-              <a:rPr lang="en-US" smtClean="0"/>
+              <a:rPr lang="en-US"/>
               <a:t>Fifth level</a:t>
             </a:r>
-            <a:endParaRPr lang="en-US"/>
           </a:p>
         </p:txBody>
       </p:sp>
@@ -3047,7 +3168,7 @@
           <a:p>
             <a:pPr lvl="0"/>
             <a:r>
-              <a:rPr lang="en-US" smtClean="0"/>
+              <a:rPr lang="en-US"/>
               <a:t>Click to edit Master text styles</a:t>
             </a:r>
           </a:p>
@@ -3071,7 +3192,7 @@
             <a:fld id="{83E5EE5E-2BFB-4159-89CB-07257F483B3F}" type="datetimeFigureOut">
               <a:rPr lang="en-US" smtClean="0"/>
               <a:pPr/>
-              <a:t>8/27/2018</a:t>
+              <a:t>12/8/2018</a:t>
             </a:fld>
             <a:endParaRPr lang="en-US"/>
           </a:p>
@@ -3178,10 +3299,9 @@
           </a:lstStyle>
           <a:p>
             <a:r>
-              <a:rPr lang="en-US" smtClean="0"/>
+              <a:rPr lang="en-US"/>
               <a:t>Click to edit Master title style</a:t>
             </a:r>
-            <a:endParaRPr lang="en-US"/>
           </a:p>
         </p:txBody>
       </p:sp>
@@ -3305,7 +3425,7 @@
           <a:p>
             <a:pPr lvl="0"/>
             <a:r>
-              <a:rPr lang="en-US" smtClean="0"/>
+              <a:rPr lang="en-US"/>
               <a:t>Click to edit Master text styles</a:t>
             </a:r>
           </a:p>
@@ -3329,7 +3449,7 @@
             <a:fld id="{83E5EE5E-2BFB-4159-89CB-07257F483B3F}" type="datetimeFigureOut">
               <a:rPr lang="en-US" smtClean="0"/>
               <a:pPr/>
-              <a:t>8/27/2018</a:t>
+              <a:t>12/8/2018</a:t>
             </a:fld>
             <a:endParaRPr lang="en-US"/>
           </a:p>
@@ -3442,10 +3562,9 @@
           <a:lstStyle/>
           <a:p>
             <a:r>
-              <a:rPr lang="en-US" smtClean="0"/>
+              <a:rPr lang="en-US"/>
               <a:t>Click to edit Master title style</a:t>
             </a:r>
-            <a:endParaRPr lang="en-US"/>
           </a:p>
         </p:txBody>
       </p:sp>
@@ -3476,38 +3595,37 @@
           <a:p>
             <a:pPr lvl="0"/>
             <a:r>
-              <a:rPr lang="en-US" dirty="0" smtClean="0"/>
+              <a:rPr lang="en-US" dirty="0"/>
               <a:t>Click to edit Master text styles</a:t>
             </a:r>
           </a:p>
           <a:p>
             <a:pPr lvl="1"/>
             <a:r>
-              <a:rPr lang="en-US" dirty="0" smtClean="0"/>
+              <a:rPr lang="en-US" dirty="0"/>
               <a:t>Second level</a:t>
             </a:r>
           </a:p>
           <a:p>
             <a:pPr lvl="2"/>
             <a:r>
-              <a:rPr lang="en-US" dirty="0" smtClean="0"/>
+              <a:rPr lang="en-US" dirty="0"/>
               <a:t>Third level</a:t>
             </a:r>
           </a:p>
           <a:p>
             <a:pPr lvl="3"/>
             <a:r>
-              <a:rPr lang="en-US" dirty="0" smtClean="0"/>
+              <a:rPr lang="en-US" dirty="0"/>
               <a:t>Fourth level</a:t>
             </a:r>
           </a:p>
           <a:p>
             <a:pPr lvl="4"/>
             <a:r>
-              <a:rPr lang="en-US" dirty="0" smtClean="0"/>
+              <a:rPr lang="en-US" dirty="0"/>
               <a:t>Fifth level</a:t>
             </a:r>
-            <a:endParaRPr lang="en-US" dirty="0"/>
           </a:p>
         </p:txBody>
       </p:sp>
@@ -3549,7 +3667,7 @@
             <a:fld id="{83E5EE5E-2BFB-4159-89CB-07257F483B3F}" type="datetimeFigureOut">
               <a:rPr lang="en-US" smtClean="0"/>
               <a:pPr/>
-              <a:t>8/27/2018</a:t>
+              <a:t>12/8/2018</a:t>
             </a:fld>
             <a:endParaRPr lang="en-US" dirty="0"/>
           </a:p>
@@ -3609,7 +3727,7 @@
           <a:blip r:embed="rId14" cstate="print">
             <a:extLst>
               <a:ext uri="{28A0092B-C50C-407E-A947-70E740481C1C}">
-                <a14:useLocalDpi xmlns:lc="http://schemas.openxmlformats.org/drawingml/2006/lockedCanvas" xmlns:pic="http://schemas.openxmlformats.org/drawingml/2006/picture" xmlns="" xmlns:wpc="http://schemas.microsoft.com/office/word/2010/wordprocessingCanvas" xmlns:mo="http://schemas.microsoft.com/office/mac/office/2008/main" xmlns:mc="http://schemas.openxmlformats.org/markup-compatibility/2006" xmlns:mv="urn:schemas-microsoft-com:mac:vml" xmlns:o="urn:schemas-microsoft-com:office:office" xmlns:v="urn:schemas-microsoft-com:vml" xmlns:wp14="http://schemas.microsoft.com/office/word/2010/wordprocessingDrawing" xmlns:w10="urn:schemas-microsoft-com:office:word" xmlns:w="http://schemas.openxmlformats.org/wordprocessingml/2006/main" xmlns:w14="http://schemas.microsoft.com/office/word/2010/wordml" xmlns:wpg="http://schemas.microsoft.com/office/word/2010/wordprocessingGroup" xmlns:wpi="http://schemas.microsoft.com/office/word/2010/wordprocessingInk" xmlns:wps="http://schemas.microsoft.com/office/word/2010/wordprocessingShape" xmlns:a14="http://schemas.microsoft.com/office/drawing/2010/main" xmlns:wne="http://schemas.microsoft.com/office/word/2006/wordml" xmlns:wp="http://schemas.openxmlformats.org/drawingml/2006/wordprocessingDrawing" xmlns:m="http://schemas.openxmlformats.org/officeDocument/2006/math" xmlns:ve="http://schemas.openxmlformats.org/markup-compatibility/2006" val="0"/>
+                <a14:useLocalDpi xmlns:a14="http://schemas.microsoft.com/office/drawing/2010/main" val="0"/>
               </a:ext>
             </a:extLst>
           </a:blip>
@@ -3672,7 +3790,7 @@
               <a:defRPr/>
             </a:pPr>
             <a:r>
-              <a:rPr lang="en-US" sz="1200" b="1" kern="1200" dirty="0" smtClean="0">
+              <a:rPr lang="en-US" sz="1200" b="1" kern="1200" dirty="0">
                 <a:solidFill>
                   <a:schemeClr val="tx1"/>
                 </a:solidFill>
@@ -3686,16 +3804,12 @@
           <a:p>
             <a:pPr algn="ctr"/>
             <a:r>
-              <a:rPr lang="en-US" sz="1200" dirty="0" smtClean="0">
+              <a:rPr lang="en-US" sz="1200" dirty="0">
                 <a:latin typeface="Arial" pitchFamily="34" charset="0"/>
                 <a:cs typeface="Arial" pitchFamily="34" charset="0"/>
               </a:rPr>
               <a:t>ADA University. School of IT and Engineering</a:t>
             </a:r>
-            <a:endParaRPr lang="en-US" sz="1200" dirty="0">
-              <a:latin typeface="Arial" pitchFamily="34" charset="0"/>
-              <a:cs typeface="Arial" pitchFamily="34" charset="0"/>
-            </a:endParaRPr>
           </a:p>
         </p:txBody>
       </p:sp>
@@ -3723,39 +3837,18 @@
           <a:p>
             <a:pPr algn="l"/>
             <a:r>
-              <a:rPr lang="en-US" sz="1000" dirty="0" smtClean="0">
+              <a:rPr lang="en-US" sz="1000" dirty="0">
                 <a:latin typeface="Arial" pitchFamily="34" charset="0"/>
                 <a:cs typeface="Arial" pitchFamily="34" charset="0"/>
               </a:rPr>
-              <a:t>Revision </a:t>
-            </a:r>
-            <a:r>
-              <a:rPr lang="en-US" sz="1000" dirty="0" smtClean="0">
+              <a:t>Revision 0 (posted</a:t>
+            </a:r>
+            <a:r>
+              <a:rPr lang="en-US" sz="1000" baseline="0" dirty="0">
                 <a:latin typeface="Arial" pitchFamily="34" charset="0"/>
                 <a:cs typeface="Arial" pitchFamily="34" charset="0"/>
               </a:rPr>
-              <a:t>0 </a:t>
-            </a:r>
-            <a:r>
-              <a:rPr lang="en-US" sz="1000" dirty="0" smtClean="0">
-                <a:latin typeface="Arial" pitchFamily="34" charset="0"/>
-                <a:cs typeface="Arial" pitchFamily="34" charset="0"/>
-              </a:rPr>
-              <a:t>(posted</a:t>
-            </a:r>
-            <a:r>
-              <a:rPr lang="en-US" sz="1000" baseline="0" dirty="0" smtClean="0">
-                <a:latin typeface="Arial" pitchFamily="34" charset="0"/>
-                <a:cs typeface="Arial" pitchFamily="34" charset="0"/>
-              </a:rPr>
-              <a:t> on </a:t>
-            </a:r>
-            <a:r>
-              <a:rPr lang="en-US" sz="1000" baseline="0" dirty="0" smtClean="0">
-                <a:latin typeface="Arial" pitchFamily="34" charset="0"/>
-                <a:cs typeface="Arial" pitchFamily="34" charset="0"/>
-              </a:rPr>
-              <a:t>27 September 2018)</a:t>
+              <a:t> on 27 September 2018)</a:t>
             </a:r>
             <a:endParaRPr lang="en-US" sz="1000" dirty="0">
               <a:latin typeface="Arial" pitchFamily="34" charset="0"/>
@@ -4096,15 +4189,15 @@
           <a:lstStyle/>
           <a:p>
             <a:r>
-              <a:rPr lang="en-US" dirty="0" smtClean="0"/>
-              <a:t>&lt;Game project name&gt;</a:t>
+              <a:rPr lang="en-US" dirty="0"/>
+              <a:t>Frozen Summer</a:t>
             </a:r>
             <a:br>
-              <a:rPr lang="en-US" dirty="0" smtClean="0"/>
+              <a:rPr lang="en-US" dirty="0"/>
             </a:br>
             <a:r>
-              <a:rPr lang="en-US" sz="2800" b="0" dirty="0" smtClean="0"/>
-              <a:t> &lt;Game catch phrase&gt;</a:t>
+              <a:rPr lang="en-US" sz="2800" b="0" dirty="0"/>
+              <a:t>Finish them! If you can…</a:t>
             </a:r>
             <a:endParaRPr lang="en-US" b="0" dirty="0"/>
           </a:p>
@@ -4128,20 +4221,20 @@
           <a:lstStyle/>
           <a:p>
             <a:r>
-              <a:rPr lang="en-US" dirty="0" smtClean="0">
+              <a:rPr lang="en-US" dirty="0">
                 <a:latin typeface="Arial" pitchFamily="34" charset="0"/>
                 <a:cs typeface="Arial" pitchFamily="34" charset="0"/>
               </a:rPr>
               <a:t>Game Pitch Presentation</a:t>
             </a:r>
             <a:br>
-              <a:rPr lang="en-US" dirty="0" smtClean="0">
+              <a:rPr lang="en-US" dirty="0">
                 <a:latin typeface="Arial" pitchFamily="34" charset="0"/>
                 <a:cs typeface="Arial" pitchFamily="34" charset="0"/>
               </a:rPr>
             </a:br>
             <a:r>
-              <a:rPr lang="en-US" dirty="0" smtClean="0">
+              <a:rPr lang="en-US" dirty="0">
                 <a:latin typeface="Arial" pitchFamily="34" charset="0"/>
                 <a:cs typeface="Arial" pitchFamily="34" charset="0"/>
               </a:rPr>
@@ -4150,7 +4243,7 @@
           </a:p>
           <a:p>
             <a:r>
-              <a:rPr lang="en-US" dirty="0" smtClean="0">
+              <a:rPr lang="en-US" dirty="0">
                 <a:latin typeface="Arial" pitchFamily="34" charset="0"/>
                 <a:cs typeface="Arial" pitchFamily="34" charset="0"/>
               </a:rPr>
@@ -4159,43 +4252,43 @@
           </a:p>
           <a:p>
             <a:r>
-              <a:rPr lang="en-US" dirty="0" smtClean="0">
+              <a:rPr lang="en-US" dirty="0">
                 <a:latin typeface="Arial" pitchFamily="34" charset="0"/>
                 <a:cs typeface="Arial" pitchFamily="34" charset="0"/>
               </a:rPr>
-              <a:t>Project team: &lt;Team Name&gt; </a:t>
-            </a:r>
-          </a:p>
-          <a:p>
-            <a:r>
-              <a:rPr lang="en-US" dirty="0" smtClean="0">
+              <a:t>Project team: Rush B</a:t>
+            </a:r>
+          </a:p>
+          <a:p>
+            <a:r>
+              <a:rPr lang="en-US" dirty="0">
                 <a:latin typeface="Arial" pitchFamily="34" charset="0"/>
                 <a:cs typeface="Arial" pitchFamily="34" charset="0"/>
               </a:rPr>
               <a:t>Instructor: Dr. </a:t>
             </a:r>
             <a:r>
-              <a:rPr lang="en-US" dirty="0" err="1" smtClean="0">
+              <a:rPr lang="en-US" dirty="0" err="1">
                 <a:latin typeface="Arial" pitchFamily="34" charset="0"/>
                 <a:cs typeface="Arial" pitchFamily="34" charset="0"/>
               </a:rPr>
               <a:t>Araz</a:t>
             </a:r>
             <a:r>
-              <a:rPr lang="en-US" dirty="0" smtClean="0">
+              <a:rPr lang="en-US" dirty="0">
                 <a:latin typeface="Arial" pitchFamily="34" charset="0"/>
                 <a:cs typeface="Arial" pitchFamily="34" charset="0"/>
               </a:rPr>
               <a:t> </a:t>
             </a:r>
             <a:r>
-              <a:rPr lang="en-US" dirty="0" err="1" smtClean="0">
+              <a:rPr lang="en-US" dirty="0" err="1">
                 <a:latin typeface="Arial" pitchFamily="34" charset="0"/>
                 <a:cs typeface="Arial" pitchFamily="34" charset="0"/>
               </a:rPr>
               <a:t>Yusubov</a:t>
             </a:r>
-            <a:endParaRPr lang="en-US" baseline="0" dirty="0" smtClean="0">
+            <a:endParaRPr lang="en-US" baseline="0" dirty="0">
               <a:latin typeface="Arial" pitchFamily="34" charset="0"/>
               <a:cs typeface="Arial" pitchFamily="34" charset="0"/>
             </a:endParaRPr>
@@ -4207,13 +4300,6 @@
   <p:clrMapOvr>
     <a:masterClrMapping/>
   </p:clrMapOvr>
-  <p:timing>
-    <p:tnLst>
-      <p:par>
-        <p:cTn id="1" dur="indefinite" restart="never" nodeType="tmRoot"/>
-      </p:par>
-    </p:tnLst>
-  </p:timing>
 </p:sld>
 </file>
 
@@ -4246,41 +4332,70 @@
         </p:nvSpPr>
         <p:spPr/>
         <p:txBody>
+          <a:bodyPr/>
+          <a:lstStyle/>
+          <a:p>
+            <a:r>
+              <a:rPr lang="en-US" dirty="0"/>
+              <a:t>Realistic place. Snow themed gameplay. Events happening in ADA University</a:t>
+            </a:r>
+          </a:p>
+        </p:txBody>
+      </p:sp>
+      <p:sp>
+        <p:nvSpPr>
+          <p:cNvPr id="3" name="Title 2"/>
+          <p:cNvSpPr>
+            <a:spLocks noGrp="1"/>
+          </p:cNvSpPr>
+          <p:nvPr>
+            <p:ph type="title"/>
+          </p:nvPr>
+        </p:nvSpPr>
+        <p:spPr/>
+        <p:txBody>
           <a:bodyPr>
             <a:normAutofit/>
           </a:bodyPr>
           <a:lstStyle/>
           <a:p>
             <a:r>
-              <a:rPr lang="en-US" dirty="0" smtClean="0"/>
-              <a:t>&lt;Initial menu screen and any options include a sketch.&gt;</a:t>
-            </a:r>
-          </a:p>
-        </p:txBody>
-      </p:sp>
-      <p:sp>
-        <p:nvSpPr>
-          <p:cNvPr id="3" name="Title 2"/>
-          <p:cNvSpPr>
-            <a:spLocks noGrp="1"/>
-          </p:cNvSpPr>
-          <p:nvPr>
-            <p:ph type="title"/>
-          </p:nvPr>
-        </p:nvSpPr>
-        <p:spPr/>
-        <p:txBody>
-          <a:bodyPr/>
-          <a:lstStyle/>
-          <a:p>
-            <a:r>
-              <a:rPr lang="en-US" dirty="0" smtClean="0"/>
-              <a:t>Game Description: Menus</a:t>
-            </a:r>
-            <a:endParaRPr lang="en-US" dirty="0"/>
-          </a:p>
-        </p:txBody>
-      </p:sp>
+              <a:rPr lang="en-US" dirty="0"/>
+              <a:t>Game Description: Environment</a:t>
+            </a:r>
+          </a:p>
+        </p:txBody>
+      </p:sp>
+      <p:pic>
+        <p:nvPicPr>
+          <p:cNvPr id="4" name="Picture 3"/>
+          <p:cNvPicPr>
+            <a:picLocks noChangeAspect="1"/>
+          </p:cNvPicPr>
+          <p:nvPr/>
+        </p:nvPicPr>
+        <p:blipFill>
+          <a:blip r:embed="rId2">
+            <a:extLst>
+              <a:ext uri="{28A0092B-C50C-407E-A947-70E740481C1C}">
+                <a14:useLocalDpi xmlns:a14="http://schemas.microsoft.com/office/drawing/2010/main" val="0"/>
+              </a:ext>
+            </a:extLst>
+          </a:blip>
+          <a:stretch>
+            <a:fillRect/>
+          </a:stretch>
+        </p:blipFill>
+        <p:spPr>
+          <a:xfrm>
+            <a:off x="683568" y="2708919"/>
+            <a:ext cx="7632848" cy="3543041"/>
+          </a:xfrm>
+          <a:prstGeom prst="rect">
+            <a:avLst/>
+          </a:prstGeom>
+        </p:spPr>
+      </p:pic>
     </p:spTree>
   </p:cSld>
   <p:clrMapOvr>
@@ -4308,53 +4423,56 @@
       </p:grpSpPr>
       <p:sp>
         <p:nvSpPr>
-          <p:cNvPr id="2" name="Content Placeholder 1"/>
-          <p:cNvSpPr>
-            <a:spLocks noGrp="1"/>
-          </p:cNvSpPr>
-          <p:nvPr>
-            <p:ph idx="1"/>
+          <p:cNvPr id="3" name="Title 2"/>
+          <p:cNvSpPr>
+            <a:spLocks noGrp="1"/>
+          </p:cNvSpPr>
+          <p:nvPr>
+            <p:ph type="title"/>
           </p:nvPr>
         </p:nvSpPr>
         <p:spPr/>
         <p:txBody>
-          <a:bodyPr>
-            <a:normAutofit/>
-          </a:bodyPr>
-          <a:lstStyle/>
-          <a:p>
-            <a:r>
-              <a:rPr lang="en-US" dirty="0" smtClean="0"/>
-              <a:t>&lt;Describe interface (up, down, run, shoot, fast, slow).&gt;</a:t>
-            </a:r>
-          </a:p>
-        </p:txBody>
-      </p:sp>
-      <p:sp>
-        <p:nvSpPr>
-          <p:cNvPr id="3" name="Title 2"/>
-          <p:cNvSpPr>
-            <a:spLocks noGrp="1"/>
-          </p:cNvSpPr>
-          <p:nvPr>
-            <p:ph type="title"/>
-          </p:nvPr>
-        </p:nvSpPr>
-        <p:spPr/>
-        <p:txBody>
-          <a:bodyPr>
-            <a:normAutofit/>
-          </a:bodyPr>
-          <a:lstStyle/>
-          <a:p>
-            <a:pPr lvl="0"/>
-            <a:r>
-              <a:rPr lang="en-US" dirty="0" smtClean="0"/>
-              <a:t>Game Description: Controls</a:t>
-            </a:r>
-          </a:p>
-        </p:txBody>
-      </p:sp>
+          <a:bodyPr/>
+          <a:lstStyle/>
+          <a:p>
+            <a:r>
+              <a:rPr lang="en-US" dirty="0"/>
+              <a:t>Game Description: Menus</a:t>
+            </a:r>
+          </a:p>
+        </p:txBody>
+      </p:sp>
+      <p:pic>
+        <p:nvPicPr>
+          <p:cNvPr id="5" name="Picture 4"/>
+          <p:cNvPicPr>
+            <a:picLocks noChangeAspect="1"/>
+          </p:cNvPicPr>
+          <p:nvPr/>
+        </p:nvPicPr>
+        <p:blipFill>
+          <a:blip r:embed="rId2">
+            <a:extLst>
+              <a:ext uri="{28A0092B-C50C-407E-A947-70E740481C1C}">
+                <a14:useLocalDpi xmlns:a14="http://schemas.microsoft.com/office/drawing/2010/main" val="0"/>
+              </a:ext>
+            </a:extLst>
+          </a:blip>
+          <a:stretch>
+            <a:fillRect/>
+          </a:stretch>
+        </p:blipFill>
+        <p:spPr>
+          <a:xfrm>
+            <a:off x="568355" y="1772816"/>
+            <a:ext cx="8007290" cy="3744416"/>
+          </a:xfrm>
+          <a:prstGeom prst="rect">
+            <a:avLst/>
+          </a:prstGeom>
+        </p:spPr>
+      </p:pic>
     </p:spTree>
   </p:cSld>
   <p:clrMapOvr>
@@ -4382,7 +4500,29 @@
       </p:grpSpPr>
       <p:sp>
         <p:nvSpPr>
-          <p:cNvPr id="2" name="Content Placeholder 1"/>
+          <p:cNvPr id="3" name="Title 2"/>
+          <p:cNvSpPr>
+            <a:spLocks noGrp="1"/>
+          </p:cNvSpPr>
+          <p:nvPr>
+            <p:ph type="title"/>
+          </p:nvPr>
+        </p:nvSpPr>
+        <p:spPr/>
+        <p:txBody>
+          <a:bodyPr/>
+          <a:lstStyle/>
+          <a:p>
+            <a:r>
+              <a:rPr lang="en-US" dirty="0"/>
+              <a:t>Game Description: Menus</a:t>
+            </a:r>
+          </a:p>
+        </p:txBody>
+      </p:sp>
+      <p:sp>
+        <p:nvSpPr>
+          <p:cNvPr id="4" name="Content Placeholder 1"/>
           <p:cNvSpPr>
             <a:spLocks noGrp="1"/>
           </p:cNvSpPr>
@@ -4390,44 +4530,69 @@
             <p:ph idx="1"/>
           </p:nvPr>
         </p:nvSpPr>
-        <p:spPr/>
-        <p:txBody>
-          <a:bodyPr/>
-          <a:lstStyle/>
-          <a:p>
-            <a:r>
-              <a:rPr lang="en-US" dirty="0" smtClean="0"/>
-              <a:t>&lt;Describe background sounds: music, footsteps, Vehicle, Door, etc.&gt;</a:t>
-            </a:r>
-          </a:p>
-        </p:txBody>
-      </p:sp>
-      <p:sp>
-        <p:nvSpPr>
-          <p:cNvPr id="3" name="Title 2"/>
-          <p:cNvSpPr>
-            <a:spLocks noGrp="1"/>
-          </p:cNvSpPr>
-          <p:nvPr>
-            <p:ph type="title"/>
-          </p:nvPr>
-        </p:nvSpPr>
-        <p:spPr/>
+        <p:spPr>
+          <a:xfrm>
+            <a:off x="457200" y="1600200"/>
+            <a:ext cx="8229600" cy="4525963"/>
+          </a:xfrm>
+        </p:spPr>
         <p:txBody>
           <a:bodyPr>
             <a:normAutofit/>
           </a:bodyPr>
           <a:lstStyle/>
           <a:p>
-            <a:pPr lvl="0"/>
-            <a:r>
-              <a:rPr lang="en-US" dirty="0" smtClean="0"/>
-              <a:t>Game Description: Sounds: </a:t>
+            <a:r>
+              <a:rPr lang="en-US" dirty="0"/>
+              <a:t>Menu</a:t>
+            </a:r>
+          </a:p>
+          <a:p>
+            <a:pPr lvl="1"/>
+            <a:r>
+              <a:rPr lang="en-US" dirty="0"/>
+              <a:t>Play Game</a:t>
+            </a:r>
+          </a:p>
+          <a:p>
+            <a:pPr lvl="1"/>
+            <a:r>
+              <a:rPr lang="en-US" dirty="0"/>
+              <a:t>Options</a:t>
+            </a:r>
+          </a:p>
+          <a:p>
+            <a:pPr marL="0" indent="0">
+              <a:buNone/>
+            </a:pPr>
+            <a:r>
+              <a:rPr lang="en-US" dirty="0"/>
+              <a:t>		Sound Slider</a:t>
+            </a:r>
+          </a:p>
+          <a:p>
+            <a:r>
+              <a:rPr lang="en-US" dirty="0"/>
+              <a:t>Quit</a:t>
+            </a:r>
+          </a:p>
+          <a:p>
+            <a:pPr marL="0" indent="0">
+              <a:buNone/>
+            </a:pPr>
+            <a:r>
+              <a:rPr lang="en-US" dirty="0"/>
+              <a:t>	</a:t>
             </a:r>
           </a:p>
         </p:txBody>
       </p:sp>
     </p:spTree>
+    <p:extLst>
+      <p:ext uri="{BB962C8B-B14F-4D97-AF65-F5344CB8AC3E}">
+        <p14:creationId xmlns:p14="http://schemas.microsoft.com/office/powerpoint/2010/main" val="2311408812"/>
+      </p:ext>
+    </p:extLst>
   </p:cSld>
   <p:clrMapOvr>
     <a:masterClrMapping/>
@@ -4464,14 +4629,15 @@
         </p:nvSpPr>
         <p:spPr/>
         <p:txBody>
-          <a:bodyPr/>
-          <a:lstStyle/>
-          <a:p>
-            <a:r>
-              <a:rPr lang="en-US" dirty="0" smtClean="0"/>
-              <a:t>&lt;This is the final part. Include a brief summary that would make someone want to buy/invest into your game!&gt;</a:t>
-            </a:r>
-            <a:endParaRPr lang="en-US" dirty="0"/>
+          <a:bodyPr>
+            <a:normAutofit/>
+          </a:bodyPr>
+          <a:lstStyle/>
+          <a:p>
+            <a:r>
+              <a:rPr lang="en-US" sz="2400" dirty="0"/>
+              <a:t>W, A, S, D and Up, Down, Left, Right arrows are used to simplify the work of the gamer, other controls such as mouse controls are more or less same with all of the famous games in the market.</a:t>
+            </a:r>
           </a:p>
         </p:txBody>
       </p:sp>
@@ -4487,26 +4653,67 @@
         </p:nvSpPr>
         <p:spPr/>
         <p:txBody>
-          <a:bodyPr/>
-          <a:lstStyle/>
-          <a:p>
-            <a:r>
-              <a:rPr lang="en-US" sz="4400" kern="1200" baseline="0" dirty="0" smtClean="0">
-                <a:solidFill>
-                  <a:schemeClr val="accent5">
-                    <a:lumMod val="75000"/>
-                  </a:schemeClr>
-                </a:solidFill>
-                <a:latin typeface="Arial" pitchFamily="34" charset="0"/>
-                <a:ea typeface="+mj-ea"/>
-                <a:cs typeface="Arial" pitchFamily="34" charset="0"/>
-              </a:rPr>
-              <a:t>Summary</a:t>
-            </a:r>
-            <a:endParaRPr lang="en-US" dirty="0"/>
-          </a:p>
-        </p:txBody>
-      </p:sp>
+          <a:bodyPr>
+            <a:normAutofit/>
+          </a:bodyPr>
+          <a:lstStyle/>
+          <a:p>
+            <a:pPr lvl="0"/>
+            <a:r>
+              <a:rPr lang="en-US" dirty="0"/>
+              <a:t>Game Description: Controls</a:t>
+            </a:r>
+          </a:p>
+        </p:txBody>
+      </p:sp>
+      <p:pic>
+        <p:nvPicPr>
+          <p:cNvPr id="5" name="Picture 4"/>
+          <p:cNvPicPr>
+            <a:picLocks noChangeAspect="1"/>
+          </p:cNvPicPr>
+          <p:nvPr/>
+        </p:nvPicPr>
+        <p:blipFill>
+          <a:blip r:embed="rId2"/>
+          <a:stretch>
+            <a:fillRect/>
+          </a:stretch>
+        </p:blipFill>
+        <p:spPr>
+          <a:xfrm>
+            <a:off x="899592" y="3268663"/>
+            <a:ext cx="2857500" cy="2857500"/>
+          </a:xfrm>
+          <a:prstGeom prst="rect">
+            <a:avLst/>
+          </a:prstGeom>
+        </p:spPr>
+      </p:pic>
+      <p:pic>
+        <p:nvPicPr>
+          <p:cNvPr id="6" name="Picture 5"/>
+          <p:cNvPicPr>
+            <a:picLocks noChangeAspect="1"/>
+          </p:cNvPicPr>
+          <p:nvPr/>
+        </p:nvPicPr>
+        <p:blipFill>
+          <a:blip r:embed="rId3"/>
+          <a:stretch>
+            <a:fillRect/>
+          </a:stretch>
+        </p:blipFill>
+        <p:spPr>
+          <a:xfrm>
+            <a:off x="4932040" y="3501009"/>
+            <a:ext cx="3266696" cy="2180134"/>
+          </a:xfrm>
+          <a:prstGeom prst="rect">
+            <a:avLst/>
+          </a:prstGeom>
+        </p:spPr>
+      </p:pic>
     </p:spTree>
   </p:cSld>
   <p:clrMapOvr>
@@ -4516,6 +4723,243 @@
 </file>
 
 <file path=ppt/slides/slide14.xml><?xml version="1.0" encoding="utf-8"?>
+<p:sld xmlns:a="http://schemas.openxmlformats.org/drawingml/2006/main" xmlns:r="http://schemas.openxmlformats.org/officeDocument/2006/relationships" xmlns:p="http://schemas.openxmlformats.org/presentationml/2006/main">
+  <p:cSld>
+    <p:spTree>
+      <p:nvGrpSpPr>
+        <p:cNvPr id="1" name="Shape 179"/>
+        <p:cNvGrpSpPr/>
+        <p:nvPr/>
+      </p:nvGrpSpPr>
+      <p:grpSpPr>
+        <a:xfrm>
+          <a:off x="0" y="0"/>
+          <a:ext cx="0" cy="0"/>
+          <a:chOff x="0" y="0"/>
+          <a:chExt cx="0" cy="0"/>
+        </a:xfrm>
+      </p:grpSpPr>
+      <p:sp>
+        <p:nvSpPr>
+          <p:cNvPr id="180" name="Shape 180"/>
+          <p:cNvSpPr txBox="1">
+            <a:spLocks noGrp="1"/>
+          </p:cNvSpPr>
+          <p:nvPr>
+            <p:ph type="body" idx="1"/>
+          </p:nvPr>
+        </p:nvSpPr>
+        <p:spPr>
+          <a:xfrm>
+            <a:off x="457200" y="1600200"/>
+            <a:ext cx="8229600" cy="4525963"/>
+          </a:xfrm>
+          <a:prstGeom prst="rect">
+            <a:avLst/>
+          </a:prstGeom>
+          <a:noFill/>
+          <a:ln>
+            <a:noFill/>
+          </a:ln>
+        </p:spPr>
+        <p:txBody>
+          <a:bodyPr wrap="square" lIns="91425" tIns="45700" rIns="91425" bIns="45700" anchor="t" anchorCtr="0">
+            <a:noAutofit/>
+          </a:bodyPr>
+          <a:lstStyle/>
+          <a:p>
+            <a:pPr marL="342900" lvl="0" indent="-292100" algn="just" rtl="0">
+              <a:lnSpc>
+                <a:spcPct val="115000"/>
+              </a:lnSpc>
+              <a:spcBef>
+                <a:spcPts val="0"/>
+              </a:spcBef>
+              <a:buClr>
+                <a:srgbClr val="31859B"/>
+              </a:buClr>
+              <a:buSzPts val="2400"/>
+              <a:buFont typeface="Arial"/>
+              <a:buChar char="•"/>
+            </a:pPr>
+            <a:r>
+              <a:rPr lang="en-US" sz="2400" dirty="0"/>
+              <a:t>Sound of Snowmen(Like a zombies)</a:t>
+            </a:r>
+          </a:p>
+          <a:p>
+            <a:pPr marL="0" lvl="0" indent="0" algn="just" rtl="0">
+              <a:lnSpc>
+                <a:spcPct val="115000"/>
+              </a:lnSpc>
+              <a:spcBef>
+                <a:spcPts val="0"/>
+              </a:spcBef>
+              <a:buNone/>
+            </a:pPr>
+            <a:endParaRPr sz="2400" dirty="0"/>
+          </a:p>
+          <a:p>
+            <a:pPr marL="342900" lvl="0" indent="-292100" algn="just" rtl="0">
+              <a:lnSpc>
+                <a:spcPct val="115000"/>
+              </a:lnSpc>
+              <a:spcBef>
+                <a:spcPts val="0"/>
+              </a:spcBef>
+              <a:buClr>
+                <a:srgbClr val="31859B"/>
+              </a:buClr>
+              <a:buSzPts val="2400"/>
+              <a:buFont typeface="Arial"/>
+              <a:buChar char="•"/>
+            </a:pPr>
+            <a:r>
+              <a:rPr lang="en-US" sz="2400" dirty="0"/>
+              <a:t>Sound of running</a:t>
+            </a:r>
+            <a:endParaRPr sz="2400" dirty="0"/>
+          </a:p>
+          <a:p>
+            <a:pPr marL="342900" lvl="0" indent="-292100" algn="just" rtl="0">
+              <a:lnSpc>
+                <a:spcPct val="115000"/>
+              </a:lnSpc>
+              <a:spcBef>
+                <a:spcPts val="0"/>
+              </a:spcBef>
+              <a:buClr>
+                <a:srgbClr val="31859B"/>
+              </a:buClr>
+              <a:buSzPts val="2400"/>
+              <a:buFont typeface="Arial"/>
+              <a:buChar char="•"/>
+            </a:pPr>
+            <a:r>
+              <a:rPr lang="en-US" sz="2400" dirty="0"/>
+              <a:t>Sound of hitting the snowmen’s bucket</a:t>
+            </a:r>
+          </a:p>
+          <a:p>
+            <a:pPr marL="342900" lvl="0" indent="-292100" algn="just" rtl="0">
+              <a:lnSpc>
+                <a:spcPct val="115000"/>
+              </a:lnSpc>
+              <a:spcBef>
+                <a:spcPts val="0"/>
+              </a:spcBef>
+              <a:buClr>
+                <a:srgbClr val="31859B"/>
+              </a:buClr>
+              <a:buSzPts val="2400"/>
+              <a:buFont typeface="Arial"/>
+              <a:buChar char="•"/>
+            </a:pPr>
+            <a:r>
+              <a:rPr lang="en-US" sz="2400" dirty="0"/>
+              <a:t>Background Theme Sound</a:t>
+            </a:r>
+          </a:p>
+          <a:p>
+            <a:pPr marL="342900" lvl="0" indent="-292100" algn="just" rtl="0">
+              <a:lnSpc>
+                <a:spcPct val="115000"/>
+              </a:lnSpc>
+              <a:spcBef>
+                <a:spcPts val="0"/>
+              </a:spcBef>
+              <a:buClr>
+                <a:srgbClr val="31859B"/>
+              </a:buClr>
+              <a:buSzPts val="2400"/>
+              <a:buFont typeface="Arial"/>
+              <a:buChar char="•"/>
+            </a:pPr>
+            <a:endParaRPr lang="en-US" sz="2400" dirty="0"/>
+          </a:p>
+          <a:p>
+            <a:pPr marL="0" lvl="0" indent="0" algn="just" rtl="0">
+              <a:lnSpc>
+                <a:spcPct val="115000"/>
+              </a:lnSpc>
+              <a:spcBef>
+                <a:spcPts val="0"/>
+              </a:spcBef>
+              <a:buNone/>
+            </a:pPr>
+            <a:endParaRPr sz="2400" dirty="0"/>
+          </a:p>
+        </p:txBody>
+      </p:sp>
+      <p:sp>
+        <p:nvSpPr>
+          <p:cNvPr id="181" name="Shape 181"/>
+          <p:cNvSpPr txBox="1">
+            <a:spLocks noGrp="1"/>
+          </p:cNvSpPr>
+          <p:nvPr>
+            <p:ph type="title"/>
+          </p:nvPr>
+        </p:nvSpPr>
+        <p:spPr>
+          <a:xfrm>
+            <a:off x="457200" y="274638"/>
+            <a:ext cx="8229600" cy="1143000"/>
+          </a:xfrm>
+          <a:prstGeom prst="rect">
+            <a:avLst/>
+          </a:prstGeom>
+          <a:noFill/>
+          <a:ln>
+            <a:noFill/>
+          </a:ln>
+        </p:spPr>
+        <p:txBody>
+          <a:bodyPr wrap="square" lIns="91425" tIns="45700" rIns="91425" bIns="45700" anchor="ctr" anchorCtr="0">
+            <a:noAutofit/>
+          </a:bodyPr>
+          <a:lstStyle/>
+          <a:p>
+            <a:pPr marL="0" marR="0" lvl="0" indent="-279400" algn="ctr" rtl="0">
+              <a:spcBef>
+                <a:spcPts val="0"/>
+              </a:spcBef>
+              <a:buClr>
+                <a:srgbClr val="31859B"/>
+              </a:buClr>
+              <a:buSzPts val="4400"/>
+              <a:buFont typeface="Arial"/>
+              <a:buNone/>
+            </a:pPr>
+            <a:r>
+              <a:rPr lang="en-US" sz="4400" b="0" i="0" u="none" strike="noStrike" cap="none">
+                <a:solidFill>
+                  <a:srgbClr val="31859B"/>
+                </a:solidFill>
+                <a:latin typeface="Arial"/>
+                <a:ea typeface="Arial"/>
+                <a:cs typeface="Arial"/>
+                <a:sym typeface="Arial"/>
+              </a:rPr>
+              <a:t>Game Description: Sounds: </a:t>
+            </a:r>
+          </a:p>
+        </p:txBody>
+      </p:sp>
+    </p:spTree>
+    <p:extLst>
+      <p:ext uri="{BB962C8B-B14F-4D97-AF65-F5344CB8AC3E}">
+        <p14:creationId xmlns:p14="http://schemas.microsoft.com/office/powerpoint/2010/main" val="809335963"/>
+      </p:ext>
+    </p:extLst>
+  </p:cSld>
+  <p:clrMapOvr>
+    <a:masterClrMapping/>
+  </p:clrMapOvr>
+</p:sld>
+</file>
+
+<file path=ppt/slides/slide15.xml><?xml version="1.0" encoding="utf-8"?>
 <p:sld xmlns:a="http://schemas.openxmlformats.org/drawingml/2006/main" xmlns:r="http://schemas.openxmlformats.org/officeDocument/2006/relationships" xmlns:p="http://schemas.openxmlformats.org/presentationml/2006/main">
   <p:cSld>
     <p:spTree>
@@ -4534,6 +4978,308 @@
       </p:grpSpPr>
       <p:sp>
         <p:nvSpPr>
+          <p:cNvPr id="3" name="Title 2">
+            <a:extLst>
+              <a:ext uri="{FF2B5EF4-FFF2-40B4-BE49-F238E27FC236}">
+                <a16:creationId xmlns:a16="http://schemas.microsoft.com/office/drawing/2014/main" id="{4A16CEAA-ECD2-40AD-9233-3C04C3815588}"/>
+              </a:ext>
+            </a:extLst>
+          </p:cNvPr>
+          <p:cNvSpPr>
+            <a:spLocks noGrp="1"/>
+          </p:cNvSpPr>
+          <p:nvPr>
+            <p:ph type="title"/>
+          </p:nvPr>
+        </p:nvSpPr>
+        <p:spPr/>
+        <p:txBody>
+          <a:bodyPr/>
+          <a:lstStyle/>
+          <a:p>
+            <a:r>
+              <a:rPr lang="en-US" dirty="0"/>
+              <a:t>Some of the Used Methods</a:t>
+            </a:r>
+          </a:p>
+        </p:txBody>
+      </p:sp>
+      <p:pic>
+        <p:nvPicPr>
+          <p:cNvPr id="5" name="Picture 4">
+            <a:extLst>
+              <a:ext uri="{FF2B5EF4-FFF2-40B4-BE49-F238E27FC236}">
+                <a16:creationId xmlns:a16="http://schemas.microsoft.com/office/drawing/2014/main" id="{65F9837F-FCEE-41F6-ABD2-059ABEF76DCA}"/>
+              </a:ext>
+            </a:extLst>
+          </p:cNvPr>
+          <p:cNvPicPr>
+            <a:picLocks noChangeAspect="1"/>
+          </p:cNvPicPr>
+          <p:nvPr/>
+        </p:nvPicPr>
+        <p:blipFill>
+          <a:blip r:embed="rId2"/>
+          <a:stretch>
+            <a:fillRect/>
+          </a:stretch>
+        </p:blipFill>
+        <p:spPr>
+          <a:xfrm>
+            <a:off x="457200" y="1700808"/>
+            <a:ext cx="4057378" cy="3564396"/>
+          </a:xfrm>
+          <a:prstGeom prst="rect">
+            <a:avLst/>
+          </a:prstGeom>
+        </p:spPr>
+      </p:pic>
+      <p:pic>
+        <p:nvPicPr>
+          <p:cNvPr id="7" name="Picture 6">
+            <a:extLst>
+              <a:ext uri="{FF2B5EF4-FFF2-40B4-BE49-F238E27FC236}">
+                <a16:creationId xmlns:a16="http://schemas.microsoft.com/office/drawing/2014/main" id="{EC9D6D34-C8BE-4CD5-B42B-DB336121ED53}"/>
+              </a:ext>
+            </a:extLst>
+          </p:cNvPr>
+          <p:cNvPicPr>
+            <a:picLocks noChangeAspect="1"/>
+          </p:cNvPicPr>
+          <p:nvPr/>
+        </p:nvPicPr>
+        <p:blipFill>
+          <a:blip r:embed="rId3"/>
+          <a:stretch>
+            <a:fillRect/>
+          </a:stretch>
+        </p:blipFill>
+        <p:spPr>
+          <a:xfrm>
+            <a:off x="4711391" y="1700809"/>
+            <a:ext cx="3975409" cy="3564396"/>
+          </a:xfrm>
+          <a:prstGeom prst="rect">
+            <a:avLst/>
+          </a:prstGeom>
+        </p:spPr>
+      </p:pic>
+    </p:spTree>
+    <p:extLst>
+      <p:ext uri="{BB962C8B-B14F-4D97-AF65-F5344CB8AC3E}">
+        <p14:creationId xmlns:p14="http://schemas.microsoft.com/office/powerpoint/2010/main" val="2975730824"/>
+      </p:ext>
+    </p:extLst>
+  </p:cSld>
+  <p:clrMapOvr>
+    <a:masterClrMapping/>
+  </p:clrMapOvr>
+</p:sld>
+</file>
+
+<file path=ppt/slides/slide16.xml><?xml version="1.0" encoding="utf-8"?>
+<p:sld xmlns:a="http://schemas.openxmlformats.org/drawingml/2006/main" xmlns:r="http://schemas.openxmlformats.org/officeDocument/2006/relationships" xmlns:p="http://schemas.openxmlformats.org/presentationml/2006/main">
+  <p:cSld>
+    <p:spTree>
+      <p:nvGrpSpPr>
+        <p:cNvPr id="1" name=""/>
+        <p:cNvGrpSpPr/>
+        <p:nvPr/>
+      </p:nvGrpSpPr>
+      <p:grpSpPr>
+        <a:xfrm>
+          <a:off x="0" y="0"/>
+          <a:ext cx="0" cy="0"/>
+          <a:chOff x="0" y="0"/>
+          <a:chExt cx="0" cy="0"/>
+        </a:xfrm>
+      </p:grpSpPr>
+      <p:sp>
+        <p:nvSpPr>
+          <p:cNvPr id="2" name="Content Placeholder 1">
+            <a:extLst>
+              <a:ext uri="{FF2B5EF4-FFF2-40B4-BE49-F238E27FC236}">
+                <a16:creationId xmlns:a16="http://schemas.microsoft.com/office/drawing/2014/main" id="{B734519B-2791-4B5C-A388-23EA169DF1B8}"/>
+              </a:ext>
+            </a:extLst>
+          </p:cNvPr>
+          <p:cNvSpPr>
+            <a:spLocks noGrp="1"/>
+          </p:cNvSpPr>
+          <p:nvPr>
+            <p:ph idx="1"/>
+          </p:nvPr>
+        </p:nvSpPr>
+        <p:spPr>
+          <a:xfrm>
+            <a:off x="393782" y="862890"/>
+            <a:ext cx="8229600" cy="748679"/>
+          </a:xfrm>
+        </p:spPr>
+        <p:txBody>
+          <a:bodyPr/>
+          <a:lstStyle/>
+          <a:p>
+            <a:r>
+              <a:rPr lang="en-US" dirty="0"/>
+              <a:t>Collision Detection</a:t>
+            </a:r>
+          </a:p>
+          <a:p>
+            <a:endParaRPr lang="en-US" dirty="0"/>
+          </a:p>
+        </p:txBody>
+      </p:sp>
+      <p:sp>
+        <p:nvSpPr>
+          <p:cNvPr id="3" name="Title 2">
+            <a:extLst>
+              <a:ext uri="{FF2B5EF4-FFF2-40B4-BE49-F238E27FC236}">
+                <a16:creationId xmlns:a16="http://schemas.microsoft.com/office/drawing/2014/main" id="{89E3EBC8-7121-4A17-B759-DF76F3EDD636}"/>
+              </a:ext>
+            </a:extLst>
+          </p:cNvPr>
+          <p:cNvSpPr>
+            <a:spLocks noGrp="1"/>
+          </p:cNvSpPr>
+          <p:nvPr>
+            <p:ph type="title"/>
+          </p:nvPr>
+        </p:nvSpPr>
+        <p:spPr>
+          <a:xfrm>
+            <a:off x="276682" y="1269272"/>
+            <a:ext cx="8229600" cy="1143000"/>
+          </a:xfrm>
+        </p:spPr>
+        <p:txBody>
+          <a:bodyPr>
+            <a:normAutofit/>
+          </a:bodyPr>
+          <a:lstStyle/>
+          <a:p>
+            <a:r>
+              <a:rPr lang="en-US" sz="2800" dirty="0"/>
+              <a:t>How We Solved It (Coolest Moment)</a:t>
+            </a:r>
+          </a:p>
+        </p:txBody>
+      </p:sp>
+      <p:sp>
+        <p:nvSpPr>
+          <p:cNvPr id="4" name="Title 2">
+            <a:extLst>
+              <a:ext uri="{FF2B5EF4-FFF2-40B4-BE49-F238E27FC236}">
+                <a16:creationId xmlns:a16="http://schemas.microsoft.com/office/drawing/2014/main" id="{0ECA3D26-2AE8-4546-94CA-84ADE61B5953}"/>
+              </a:ext>
+            </a:extLst>
+          </p:cNvPr>
+          <p:cNvSpPr txBox="1">
+            <a:spLocks/>
+          </p:cNvSpPr>
+          <p:nvPr/>
+        </p:nvSpPr>
+        <p:spPr>
+          <a:xfrm>
+            <a:off x="251520" y="-145973"/>
+            <a:ext cx="8229600" cy="1143000"/>
+          </a:xfrm>
+          <a:prstGeom prst="rect">
+            <a:avLst/>
+          </a:prstGeom>
+        </p:spPr>
+        <p:txBody>
+          <a:bodyPr vert="horz" lIns="91440" tIns="45720" rIns="91440" bIns="45720" rtlCol="0" anchor="ctr">
+            <a:normAutofit/>
+          </a:bodyPr>
+          <a:lstStyle>
+            <a:lvl1pPr algn="ctr" defTabSz="914400" rtl="0" eaLnBrk="1" latinLnBrk="0" hangingPunct="1">
+              <a:spcBef>
+                <a:spcPct val="0"/>
+              </a:spcBef>
+              <a:buNone/>
+              <a:defRPr sz="4400" kern="1200">
+                <a:solidFill>
+                  <a:schemeClr val="accent5">
+                    <a:lumMod val="75000"/>
+                  </a:schemeClr>
+                </a:solidFill>
+                <a:latin typeface="Arial" pitchFamily="34" charset="0"/>
+                <a:ea typeface="+mj-ea"/>
+                <a:cs typeface="Arial" pitchFamily="34" charset="0"/>
+              </a:defRPr>
+            </a:lvl1pPr>
+          </a:lstStyle>
+          <a:p>
+            <a:r>
+              <a:rPr lang="en-US" dirty="0"/>
+              <a:t>Issues We Had</a:t>
+            </a:r>
+          </a:p>
+        </p:txBody>
+      </p:sp>
+      <p:pic>
+        <p:nvPicPr>
+          <p:cNvPr id="6" name="Picture 5">
+            <a:extLst>
+              <a:ext uri="{FF2B5EF4-FFF2-40B4-BE49-F238E27FC236}">
+                <a16:creationId xmlns:a16="http://schemas.microsoft.com/office/drawing/2014/main" id="{FD33BA2A-174B-4B4F-9C4D-8E8F5B01080C}"/>
+              </a:ext>
+            </a:extLst>
+          </p:cNvPr>
+          <p:cNvPicPr>
+            <a:picLocks noChangeAspect="1"/>
+          </p:cNvPicPr>
+          <p:nvPr/>
+        </p:nvPicPr>
+        <p:blipFill>
+          <a:blip r:embed="rId2"/>
+          <a:stretch>
+            <a:fillRect/>
+          </a:stretch>
+        </p:blipFill>
+        <p:spPr>
+          <a:xfrm>
+            <a:off x="971600" y="2276872"/>
+            <a:ext cx="7128792" cy="3647661"/>
+          </a:xfrm>
+          <a:prstGeom prst="rect">
+            <a:avLst/>
+          </a:prstGeom>
+        </p:spPr>
+      </p:pic>
+    </p:spTree>
+    <p:extLst>
+      <p:ext uri="{BB962C8B-B14F-4D97-AF65-F5344CB8AC3E}">
+        <p14:creationId xmlns:p14="http://schemas.microsoft.com/office/powerpoint/2010/main" val="4257075490"/>
+      </p:ext>
+    </p:extLst>
+  </p:cSld>
+  <p:clrMapOvr>
+    <a:masterClrMapping/>
+  </p:clrMapOvr>
+</p:sld>
+</file>
+
+<file path=ppt/slides/slide17.xml><?xml version="1.0" encoding="utf-8"?>
+<p:sld xmlns:a="http://schemas.openxmlformats.org/drawingml/2006/main" xmlns:r="http://schemas.openxmlformats.org/officeDocument/2006/relationships" xmlns:p="http://schemas.openxmlformats.org/presentationml/2006/main">
+  <p:cSld>
+    <p:spTree>
+      <p:nvGrpSpPr>
+        <p:cNvPr id="1" name=""/>
+        <p:cNvGrpSpPr/>
+        <p:nvPr/>
+      </p:nvGrpSpPr>
+      <p:grpSpPr>
+        <a:xfrm>
+          <a:off x="0" y="0"/>
+          <a:ext cx="0" cy="0"/>
+          <a:chOff x="0" y="0"/>
+          <a:chExt cx="0" cy="0"/>
+        </a:xfrm>
+      </p:grpSpPr>
+      <p:sp>
+        <p:nvSpPr>
           <p:cNvPr id="2" name="Content Placeholder 1"/>
           <p:cNvSpPr>
             <a:spLocks noGrp="1"/>
@@ -4544,93 +5290,220 @@
         </p:nvSpPr>
         <p:spPr/>
         <p:txBody>
+          <a:bodyPr/>
+          <a:lstStyle/>
+          <a:p>
+            <a:r>
+              <a:rPr lang="en-US" dirty="0"/>
+              <a:t>Frozen Summer is one of the unique Azerbaijani games which have realistic buildings with national dressed main player. Our game include some national elements from fairy tales which can increase knowledge and understanding of our country’s history among young generations of 21</a:t>
+            </a:r>
+            <a:r>
+              <a:rPr lang="en-US" baseline="30000" dirty="0"/>
+              <a:t>st</a:t>
+            </a:r>
+            <a:r>
+              <a:rPr lang="en-US" dirty="0"/>
+              <a:t> century.</a:t>
+            </a:r>
+          </a:p>
+        </p:txBody>
+      </p:sp>
+      <p:sp>
+        <p:nvSpPr>
+          <p:cNvPr id="3" name="Title 2"/>
+          <p:cNvSpPr>
+            <a:spLocks noGrp="1"/>
+          </p:cNvSpPr>
+          <p:nvPr>
+            <p:ph type="title"/>
+          </p:nvPr>
+        </p:nvSpPr>
+        <p:spPr/>
+        <p:txBody>
+          <a:bodyPr/>
+          <a:lstStyle/>
+          <a:p>
+            <a:r>
+              <a:rPr lang="en-US" sz="4400" kern="1200" baseline="0" dirty="0">
+                <a:solidFill>
+                  <a:schemeClr val="accent5">
+                    <a:lumMod val="75000"/>
+                  </a:schemeClr>
+                </a:solidFill>
+                <a:latin typeface="Arial" pitchFamily="34" charset="0"/>
+                <a:ea typeface="+mj-ea"/>
+                <a:cs typeface="Arial" pitchFamily="34" charset="0"/>
+              </a:rPr>
+              <a:t>Summary</a:t>
+            </a:r>
+            <a:endParaRPr lang="en-US" dirty="0"/>
+          </a:p>
+        </p:txBody>
+      </p:sp>
+    </p:spTree>
+  </p:cSld>
+  <p:clrMapOvr>
+    <a:masterClrMapping/>
+  </p:clrMapOvr>
+</p:sld>
+</file>
+
+<file path=ppt/slides/slide18.xml><?xml version="1.0" encoding="utf-8"?>
+<p:sld xmlns:a="http://schemas.openxmlformats.org/drawingml/2006/main" xmlns:r="http://schemas.openxmlformats.org/officeDocument/2006/relationships" xmlns:p="http://schemas.openxmlformats.org/presentationml/2006/main">
+  <p:cSld>
+    <p:spTree>
+      <p:nvGrpSpPr>
+        <p:cNvPr id="1" name=""/>
+        <p:cNvGrpSpPr/>
+        <p:nvPr/>
+      </p:nvGrpSpPr>
+      <p:grpSpPr>
+        <a:xfrm>
+          <a:off x="0" y="0"/>
+          <a:ext cx="0" cy="0"/>
+          <a:chOff x="0" y="0"/>
+          <a:chExt cx="0" cy="0"/>
+        </a:xfrm>
+      </p:grpSpPr>
+      <p:sp>
+        <p:nvSpPr>
+          <p:cNvPr id="2" name="Content Placeholder 1"/>
+          <p:cNvSpPr>
+            <a:spLocks noGrp="1"/>
+          </p:cNvSpPr>
+          <p:nvPr>
+            <p:ph idx="1"/>
+          </p:nvPr>
+        </p:nvSpPr>
+        <p:spPr/>
+        <p:txBody>
           <a:bodyPr>
-            <a:normAutofit fontScale="62500" lnSpcReduction="20000"/>
+            <a:normAutofit/>
           </a:bodyPr>
           <a:lstStyle/>
           <a:p>
             <a:r>
-              <a:rPr lang="en-US" dirty="0" smtClean="0"/>
-              <a:t>The presentation will be graded based on the following criteria:</a:t>
-            </a:r>
-          </a:p>
-          <a:p>
-            <a:pPr lvl="1"/>
-            <a:r>
-              <a:rPr lang="en-US" b="1" dirty="0" smtClean="0">
-                <a:solidFill>
-                  <a:srgbClr val="0070C0"/>
-                </a:solidFill>
+              <a:rPr lang="en-US" sz="2300" dirty="0"/>
+              <a:t>1) https://www.statista.com/statistics/189592/breakdown-of-us-video-game-sales-2009-by-genre/</a:t>
+            </a:r>
+          </a:p>
+          <a:p>
+            <a:endParaRPr lang="en-US" sz="2300" dirty="0"/>
+          </a:p>
+        </p:txBody>
+      </p:sp>
+      <p:sp>
+        <p:nvSpPr>
+          <p:cNvPr id="3" name="Title 2"/>
+          <p:cNvSpPr>
+            <a:spLocks noGrp="1"/>
+          </p:cNvSpPr>
+          <p:nvPr>
+            <p:ph type="title"/>
+          </p:nvPr>
+        </p:nvSpPr>
+        <p:spPr/>
+        <p:txBody>
+          <a:bodyPr/>
+          <a:lstStyle/>
+          <a:p>
+            <a:r>
+              <a:rPr lang="en-US" dirty="0"/>
+              <a:t>References</a:t>
+            </a:r>
+          </a:p>
+        </p:txBody>
+      </p:sp>
+    </p:spTree>
+    <p:extLst>
+      <p:ext uri="{BB962C8B-B14F-4D97-AF65-F5344CB8AC3E}">
+        <p14:creationId xmlns:p14="http://schemas.microsoft.com/office/powerpoint/2010/main" val="4139892438"/>
+      </p:ext>
+    </p:extLst>
+  </p:cSld>
+  <p:clrMapOvr>
+    <a:masterClrMapping/>
+  </p:clrMapOvr>
+</p:sld>
+</file>
+
+<file path=ppt/slides/slide19.xml><?xml version="1.0" encoding="utf-8"?>
+<p:sld xmlns:a="http://schemas.openxmlformats.org/drawingml/2006/main" xmlns:r="http://schemas.openxmlformats.org/officeDocument/2006/relationships" xmlns:p="http://schemas.openxmlformats.org/presentationml/2006/main">
+  <p:cSld>
+    <p:spTree>
+      <p:nvGrpSpPr>
+        <p:cNvPr id="1" name=""/>
+        <p:cNvGrpSpPr/>
+        <p:nvPr/>
+      </p:nvGrpSpPr>
+      <p:grpSpPr>
+        <a:xfrm>
+          <a:off x="0" y="0"/>
+          <a:ext cx="0" cy="0"/>
+          <a:chOff x="0" y="0"/>
+          <a:chExt cx="0" cy="0"/>
+        </a:xfrm>
+      </p:grpSpPr>
+      <p:sp>
+        <p:nvSpPr>
+          <p:cNvPr id="2" name="Content Placeholder 1"/>
+          <p:cNvSpPr>
+            <a:spLocks noGrp="1"/>
+          </p:cNvSpPr>
+          <p:nvPr>
+            <p:ph idx="1"/>
+          </p:nvPr>
+        </p:nvSpPr>
+        <p:spPr>
+          <a:xfrm>
+            <a:off x="457200" y="1600200"/>
+            <a:ext cx="8435280" cy="4525963"/>
+          </a:xfrm>
+        </p:spPr>
+        <p:txBody>
+          <a:bodyPr/>
+          <a:lstStyle/>
+          <a:p>
+            <a:r>
+              <a:rPr lang="en-US" dirty="0" err="1"/>
+              <a:t>Youtube</a:t>
+            </a:r>
+            <a:r>
+              <a:rPr lang="en-US" dirty="0"/>
+              <a:t> video:</a:t>
+            </a:r>
+          </a:p>
+          <a:p>
+            <a:r>
+              <a:rPr lang="en-US" dirty="0">
+                <a:hlinkClick r:id="rId2"/>
               </a:rPr>
-              <a:t>Content</a:t>
-            </a:r>
-            <a:r>
-              <a:rPr lang="en-US" dirty="0" smtClean="0"/>
-              <a:t> 20%: from “Design content missing or completely useless.” to “All sections completed, design accurately reflects release contents. Design notes thoughtfully completed.” </a:t>
-            </a:r>
-          </a:p>
-          <a:p>
-            <a:pPr lvl="1"/>
-            <a:r>
-              <a:rPr lang="en-US" b="1" dirty="0" smtClean="0">
-                <a:solidFill>
-                  <a:srgbClr val="0070C0"/>
-                </a:solidFill>
+              <a:t>https://www.youtube.com/watch?v=fffaPuK4edI</a:t>
+            </a:r>
+          </a:p>
+          <a:p>
+            <a:r>
+              <a:rPr lang="en-US" dirty="0">
+                <a:hlinkClick r:id="rId2"/>
               </a:rPr>
-              <a:t>Organization</a:t>
-            </a:r>
-            <a:r>
-              <a:rPr lang="en-US" dirty="0" smtClean="0"/>
-              <a:t> 20%: from “No organized presentation. The needed information is elicited with questions.” to “Information presented in a logical, interesting sequence which audience can follow.”</a:t>
-            </a:r>
-          </a:p>
-          <a:p>
-            <a:pPr lvl="1"/>
-            <a:endParaRPr lang="en-US" dirty="0" smtClean="0"/>
-          </a:p>
-          <a:p>
-            <a:pPr lvl="1"/>
-            <a:r>
-              <a:rPr lang="en-US" b="1" dirty="0" smtClean="0">
-                <a:solidFill>
-                  <a:srgbClr val="0070C0"/>
-                </a:solidFill>
+              <a:t>https://www.youtube.com/watch?v=vlFoheVlj_w</a:t>
+            </a:r>
+            <a:endParaRPr lang="en-US" dirty="0"/>
+          </a:p>
+          <a:p>
+            <a:r>
+              <a:rPr lang="en-US" dirty="0"/>
+              <a:t>Facebook post:    </a:t>
+            </a:r>
+            <a:r>
+              <a:rPr lang="en-US" dirty="0">
+                <a:hlinkClick r:id="rId3"/>
               </a:rPr>
-              <a:t>Delivery</a:t>
-            </a:r>
-            <a:r>
-              <a:rPr lang="en-US" dirty="0" smtClean="0"/>
-              <a:t> 20%: from “Presenters simply reads the slides, or is completely incomprehensible” to “Presenters used clear voice and correct, precise pronunciation of terms.” </a:t>
-            </a:r>
-          </a:p>
-          <a:p>
-            <a:pPr lvl="1"/>
-            <a:r>
-              <a:rPr lang="en-US" b="1" dirty="0" smtClean="0">
-                <a:solidFill>
-                  <a:srgbClr val="0070C0"/>
-                </a:solidFill>
-              </a:rPr>
-              <a:t>Participation</a:t>
-            </a:r>
-            <a:r>
-              <a:rPr lang="en-US" dirty="0" smtClean="0"/>
-              <a:t> 20%: from “Several team members missing. Conflicts within team visible.” to “Well-planned allocation of presentation all team members.”</a:t>
-            </a:r>
-          </a:p>
-          <a:p>
-            <a:pPr lvl="1"/>
-            <a:r>
-              <a:rPr lang="en-US" b="1" dirty="0" smtClean="0">
-                <a:solidFill>
-                  <a:srgbClr val="0070C0"/>
-                </a:solidFill>
-              </a:rPr>
-              <a:t>Design Knowledge </a:t>
-            </a:r>
-            <a:r>
-              <a:rPr lang="en-US" dirty="0" smtClean="0"/>
-              <a:t>20%: from “Team does not have grasp of information; cannot answer questions about the design.” to “Team demonstrates full knowledge with explanations and elaboration.”</a:t>
+              <a:t>https://www.facebook.com/sabuhi.yusifzade/posts/1880574105374647</a:t>
+            </a:r>
+            <a:r>
+              <a:rPr lang="en-US" dirty="0"/>
+              <a:t> </a:t>
             </a:r>
           </a:p>
         </p:txBody>
@@ -4647,18 +5520,24 @@
         </p:nvSpPr>
         <p:spPr/>
         <p:txBody>
-          <a:bodyPr/>
-          <a:lstStyle/>
-          <a:p>
-            <a:r>
-              <a:rPr lang="en-US" dirty="0" smtClean="0"/>
-              <a:t>Appendix</a:t>
-            </a:r>
-            <a:endParaRPr lang="en-US" dirty="0"/>
+          <a:bodyPr>
+            <a:normAutofit fontScale="90000"/>
+          </a:bodyPr>
+          <a:lstStyle/>
+          <a:p>
+            <a:r>
+              <a:rPr lang="en-US" dirty="0"/>
+              <a:t>Game Play and Behind the Scenes</a:t>
+            </a:r>
           </a:p>
         </p:txBody>
       </p:sp>
     </p:spTree>
+    <p:extLst>
+      <p:ext uri="{BB962C8B-B14F-4D97-AF65-F5344CB8AC3E}">
+        <p14:creationId xmlns:p14="http://schemas.microsoft.com/office/powerpoint/2010/main" val="627199790"/>
+      </p:ext>
+    </p:extLst>
   </p:cSld>
   <p:clrMapOvr>
     <a:masterClrMapping/>
@@ -4685,93 +5564,6 @@
       </p:grpSpPr>
       <p:sp>
         <p:nvSpPr>
-          <p:cNvPr id="8" name="Content Placeholder 7"/>
-          <p:cNvSpPr>
-            <a:spLocks noGrp="1"/>
-          </p:cNvSpPr>
-          <p:nvPr>
-            <p:ph idx="1"/>
-          </p:nvPr>
-        </p:nvSpPr>
-        <p:spPr>
-          <a:xfrm>
-            <a:off x="457200" y="1600200"/>
-            <a:ext cx="8229600" cy="2836911"/>
-          </a:xfrm>
-        </p:spPr>
-        <p:txBody>
-          <a:bodyPr>
-            <a:normAutofit fontScale="85000" lnSpcReduction="20000"/>
-          </a:bodyPr>
-          <a:lstStyle/>
-          <a:p>
-            <a:pPr marL="347472" indent="-347472">
-              <a:spcBef>
-                <a:spcPts val="648"/>
-              </a:spcBef>
-              <a:buClr>
-                <a:schemeClr val="accent5"/>
-              </a:buClr>
-              <a:buSzPts val="2700"/>
-              <a:buFont typeface="Arial"/>
-              <a:buChar char="•"/>
-            </a:pPr>
-            <a:r>
-              <a:rPr lang="en-US" sz="3200" b="1" kern="1200" dirty="0" smtClean="0">
-                <a:solidFill>
-                  <a:srgbClr val="FF0000"/>
-                </a:solidFill>
-                <a:latin typeface="Arial"/>
-                <a:ea typeface="Times New Roman"/>
-                <a:cs typeface="Arial"/>
-              </a:rPr>
-              <a:t>&lt;Replace the descriptive paragraphs inside &lt;&gt; everywhere in the document with your text. </a:t>
-            </a:r>
-            <a:r>
-              <a:rPr lang="en-US" sz="3200" kern="1200" dirty="0" smtClean="0">
-                <a:solidFill>
-                  <a:srgbClr val="FF0000"/>
-                </a:solidFill>
-                <a:latin typeface="Arial"/>
-                <a:ea typeface="Times New Roman"/>
-                <a:cs typeface="Arial"/>
-              </a:rPr>
-              <a:t>This template uses some materials by Rochester Institute of Technology Software Engineering Department and </a:t>
-            </a:r>
-            <a:r>
-              <a:rPr lang="en-US" dirty="0" smtClean="0">
-                <a:solidFill>
-                  <a:srgbClr val="FF0000"/>
-                </a:solidFill>
-                <a:latin typeface="Arial"/>
-                <a:ea typeface="Times New Roman"/>
-                <a:cs typeface="Arial"/>
-              </a:rPr>
-              <a:t>the Unity Curricular Framework</a:t>
-            </a:r>
-            <a:r>
-              <a:rPr lang="en-US" sz="3200" b="1" kern="1200" dirty="0" smtClean="0">
-                <a:solidFill>
-                  <a:srgbClr val="FF0000"/>
-                </a:solidFill>
-                <a:latin typeface="Arial"/>
-                <a:ea typeface="Times New Roman"/>
-                <a:cs typeface="Arial"/>
-              </a:rPr>
-              <a:t>&gt; </a:t>
-            </a:r>
-            <a:endParaRPr lang="en-US" sz="3200" dirty="0" smtClean="0"/>
-          </a:p>
-          <a:p>
-            <a:r>
-              <a:rPr lang="en-US" dirty="0" smtClean="0"/>
-              <a:t>Presented in partial fulfillment of the requirements of the Game Development Fundamentals course project</a:t>
-            </a:r>
-          </a:p>
-        </p:txBody>
-      </p:sp>
-      <p:sp>
-        <p:nvSpPr>
           <p:cNvPr id="3" name="Title 2"/>
           <p:cNvSpPr>
             <a:spLocks noGrp="1"/>
@@ -4786,16 +5578,12 @@
           <a:lstStyle/>
           <a:p>
             <a:r>
-              <a:rPr lang="en-US" dirty="0" smtClean="0">
+              <a:rPr lang="en-US" dirty="0">
                 <a:latin typeface="Arial" pitchFamily="34" charset="0"/>
                 <a:cs typeface="Arial" pitchFamily="34" charset="0"/>
               </a:rPr>
               <a:t>Team contribution</a:t>
             </a:r>
-            <a:endParaRPr lang="en-US" dirty="0">
-              <a:latin typeface="Arial" pitchFamily="34" charset="0"/>
-              <a:cs typeface="Arial" pitchFamily="34" charset="0"/>
-            </a:endParaRPr>
           </a:p>
         </p:txBody>
       </p:sp>
@@ -4805,22 +5593,46 @@
           <p:cNvGraphicFramePr>
             <a:graphicFrameLocks noGrp="1"/>
           </p:cNvGraphicFramePr>
-          <p:nvPr/>
+          <p:nvPr>
+            <p:extLst>
+              <p:ext uri="{D42A27DB-BD31-4B8C-83A1-F6EECF244321}">
+                <p14:modId xmlns:p14="http://schemas.microsoft.com/office/powerpoint/2010/main" val="506598332"/>
+              </p:ext>
+            </p:extLst>
+          </p:nvPr>
         </p:nvGraphicFramePr>
         <p:xfrm>
-          <a:off x="827584" y="4581128"/>
-          <a:ext cx="7848872" cy="1202432"/>
+          <a:off x="359532" y="2276871"/>
+          <a:ext cx="8424936" cy="2821189"/>
         </p:xfrm>
         <a:graphic>
           <a:graphicData uri="http://schemas.openxmlformats.org/drawingml/2006/table">
             <a:tbl>
               <a:tblPr/>
               <a:tblGrid>
-                <a:gridCol w="1872208"/>
-                <a:gridCol w="4680520"/>
-                <a:gridCol w="1296144"/>
+                <a:gridCol w="2009618">
+                  <a:extLst>
+                    <a:ext uri="{9D8B030D-6E8A-4147-A177-3AD203B41FA5}">
+                      <a16:colId xmlns:a16="http://schemas.microsoft.com/office/drawing/2014/main" val="20000"/>
+                    </a:ext>
+                  </a:extLst>
+                </a:gridCol>
+                <a:gridCol w="5024044">
+                  <a:extLst>
+                    <a:ext uri="{9D8B030D-6E8A-4147-A177-3AD203B41FA5}">
+                      <a16:colId xmlns:a16="http://schemas.microsoft.com/office/drawing/2014/main" val="20001"/>
+                    </a:ext>
+                  </a:extLst>
+                </a:gridCol>
+                <a:gridCol w="1391274">
+                  <a:extLst>
+                    <a:ext uri="{9D8B030D-6E8A-4147-A177-3AD203B41FA5}">
+                      <a16:colId xmlns:a16="http://schemas.microsoft.com/office/drawing/2014/main" val="20002"/>
+                    </a:ext>
+                  </a:extLst>
+                </a:gridCol>
               </a:tblGrid>
-              <a:tr h="288032">
+              <a:tr h="576065">
                 <a:tc>
                   <a:txBody>
                     <a:bodyPr/>
@@ -4898,23 +5710,7 @@
                           <a:ea typeface="Times New Roman"/>
                           <a:cs typeface="Arial" pitchFamily="34" charset="0"/>
                         </a:rPr>
-                        <a:t>Contribution to this </a:t>
-                      </a:r>
-                      <a:r>
-                        <a:rPr lang="en-US" sz="1500" dirty="0" smtClean="0">
-                          <a:latin typeface="Arial" pitchFamily="34" charset="0"/>
-                          <a:ea typeface="Times New Roman"/>
-                          <a:cs typeface="Arial" pitchFamily="34" charset="0"/>
-                        </a:rPr>
-                        <a:t>homework (NOT </a:t>
-                      </a:r>
-                      <a:r>
-                        <a:rPr lang="en-US" sz="1500" dirty="0">
-                          <a:latin typeface="Arial" pitchFamily="34" charset="0"/>
-                          <a:ea typeface="Times New Roman"/>
-                          <a:cs typeface="Arial" pitchFamily="34" charset="0"/>
-                        </a:rPr>
-                        <a:t>the project)</a:t>
+                        <a:t>Contribution to this homework (NOT the project)</a:t>
                       </a:r>
                     </a:p>
                   </a:txBody>
@@ -5020,8 +5816,13 @@
                     </a:lnBlToTr>
                   </a:tcPr>
                 </a:tc>
+                <a:extLst>
+                  <a:ext uri="{0D108BD9-81ED-4DB2-BD59-A6C34878D82A}">
+                    <a16:rowId xmlns:a16="http://schemas.microsoft.com/office/drawing/2014/main" val="10000"/>
+                  </a:ext>
+                </a:extLst>
               </a:tr>
-              <a:tr h="226311">
+              <a:tr h="561281">
                 <a:tc>
                   <a:txBody>
                     <a:bodyPr/>
@@ -5033,13 +5834,34 @@
                         </a:spcAft>
                       </a:pPr>
                       <a:r>
-                        <a:rPr lang="en-US" sz="1500">
+                        <a:rPr lang="en-US" sz="1500" dirty="0" err="1">
                           <a:latin typeface="Arial" pitchFamily="34" charset="0"/>
                           <a:ea typeface="Times New Roman"/>
                           <a:cs typeface="Arial" pitchFamily="34" charset="0"/>
                         </a:rPr>
-                        <a:t>&lt;Student Name 1&gt;</a:t>
+                        <a:t>Nurana</a:t>
                       </a:r>
+                      <a:r>
+                        <a:rPr lang="en-US" sz="1500" dirty="0">
+                          <a:latin typeface="Arial" pitchFamily="34" charset="0"/>
+                          <a:ea typeface="Times New Roman"/>
+                          <a:cs typeface="Arial" pitchFamily="34" charset="0"/>
+                        </a:rPr>
+                        <a:t> </a:t>
+                      </a:r>
+                      <a:r>
+                        <a:rPr lang="en-US" sz="1500" dirty="0" err="1">
+                          <a:latin typeface="Arial" pitchFamily="34" charset="0"/>
+                          <a:ea typeface="Times New Roman"/>
+                          <a:cs typeface="Arial" pitchFamily="34" charset="0"/>
+                        </a:rPr>
+                        <a:t>Mahmudzada</a:t>
+                      </a:r>
+                      <a:endParaRPr lang="en-US" sz="1500" dirty="0">
+                        <a:latin typeface="Arial" pitchFamily="34" charset="0"/>
+                        <a:ea typeface="Times New Roman"/>
+                        <a:cs typeface="Arial" pitchFamily="34" charset="0"/>
+                      </a:endParaRPr>
                     </a:p>
                   </a:txBody>
                   <a:tcPr marL="84867" marR="84867" marT="0" marB="0">
@@ -5096,12 +5918,12 @@
                         </a:spcAft>
                       </a:pPr>
                       <a:r>
-                        <a:rPr lang="en-US" sz="1500">
+                        <a:rPr lang="en-US" sz="1500" dirty="0">
                           <a:latin typeface="Arial" pitchFamily="34" charset="0"/>
                           <a:ea typeface="Times New Roman"/>
                           <a:cs typeface="Arial" pitchFamily="34" charset="0"/>
                         </a:rPr>
-                        <a:t>&lt;Description of the work contributed&gt;</a:t>
+                        <a:t>           Introduction, Overview</a:t>
                       </a:r>
                     </a:p>
                   </a:txBody>
@@ -5159,12 +5981,12 @@
                         </a:spcAft>
                       </a:pPr>
                       <a:r>
-                        <a:rPr lang="en-US" sz="1500">
+                        <a:rPr lang="en-US" sz="1500" dirty="0">
                           <a:latin typeface="Arial" pitchFamily="34" charset="0"/>
                           <a:ea typeface="Times New Roman"/>
                           <a:cs typeface="Arial" pitchFamily="34" charset="0"/>
                         </a:rPr>
-                        <a:t>&lt;X&gt;%</a:t>
+                        <a:t>25</a:t>
                       </a:r>
                     </a:p>
                   </a:txBody>
@@ -5211,8 +6033,13 @@
                     </a:lnBlToTr>
                   </a:tcPr>
                 </a:tc>
+                <a:extLst>
+                  <a:ext uri="{0D108BD9-81ED-4DB2-BD59-A6C34878D82A}">
+                    <a16:rowId xmlns:a16="http://schemas.microsoft.com/office/drawing/2014/main" val="10001"/>
+                  </a:ext>
+                </a:extLst>
               </a:tr>
-              <a:tr h="226311">
+              <a:tr h="561281">
                 <a:tc>
                   <a:txBody>
                     <a:bodyPr/>
@@ -5224,13 +6051,26 @@
                         </a:spcAft>
                       </a:pPr>
                       <a:r>
-                        <a:rPr lang="en-US" sz="1500">
+                        <a:rPr lang="en-US" sz="1500" dirty="0">
                           <a:latin typeface="Arial" pitchFamily="34" charset="0"/>
                           <a:ea typeface="Times New Roman"/>
                           <a:cs typeface="Arial" pitchFamily="34" charset="0"/>
                         </a:rPr>
-                        <a:t>&lt;Student Name 2&gt;</a:t>
+                        <a:t>Sabuhi</a:t>
                       </a:r>
+                      <a:r>
+                        <a:rPr lang="en-US" sz="1500" baseline="0" dirty="0">
+                          <a:latin typeface="Arial" pitchFamily="34" charset="0"/>
+                          <a:ea typeface="Times New Roman"/>
+                          <a:cs typeface="Arial" pitchFamily="34" charset="0"/>
+                        </a:rPr>
+                        <a:t> Yusifzada</a:t>
+                      </a:r>
+                      <a:endParaRPr lang="en-US" sz="1500" dirty="0">
+                        <a:latin typeface="Arial" pitchFamily="34" charset="0"/>
+                        <a:ea typeface="Times New Roman"/>
+                        <a:cs typeface="Arial" pitchFamily="34" charset="0"/>
+                      </a:endParaRPr>
                     </a:p>
                   </a:txBody>
                   <a:tcPr marL="84867" marR="84867" marT="0" marB="0">
@@ -5286,7 +6126,15 @@
                           <a:spcPts val="0"/>
                         </a:spcAft>
                       </a:pPr>
-                      <a:endParaRPr lang="en-US" sz="1500">
+                      <a:r>
+                        <a:rPr lang="en-US" sz="1500" baseline="0" dirty="0">
+                          <a:latin typeface="Arial" pitchFamily="34" charset="0"/>
+                          <a:ea typeface="Times New Roman"/>
+                          <a:cs typeface="Arial" pitchFamily="34" charset="0"/>
+                        </a:rPr>
+                        <a:t>           The Quest, Main Character, Menu </a:t>
+                      </a:r>
+                      <a:endParaRPr lang="en-US" sz="1500" dirty="0">
                         <a:latin typeface="Arial" pitchFamily="34" charset="0"/>
                         <a:ea typeface="Times New Roman"/>
                         <a:cs typeface="Arial" pitchFamily="34" charset="0"/>
@@ -5346,11 +6194,14 @@
                           <a:spcPts val="0"/>
                         </a:spcAft>
                       </a:pPr>
-                      <a:endParaRPr lang="en-US" sz="1500">
-                        <a:latin typeface="Arial" pitchFamily="34" charset="0"/>
-                        <a:ea typeface="Times New Roman"/>
-                        <a:cs typeface="Arial" pitchFamily="34" charset="0"/>
-                      </a:endParaRPr>
+                      <a:r>
+                        <a:rPr lang="en-US" sz="1500" dirty="0">
+                          <a:latin typeface="Arial" pitchFamily="34" charset="0"/>
+                          <a:ea typeface="Times New Roman"/>
+                          <a:cs typeface="Arial" pitchFamily="34" charset="0"/>
+                        </a:rPr>
+                        <a:t>25</a:t>
+                      </a:r>
                     </a:p>
                   </a:txBody>
                   <a:tcPr marL="84867" marR="84867" marT="0" marB="0">
@@ -5396,8 +6247,13 @@
                     </a:lnBlToTr>
                   </a:tcPr>
                 </a:tc>
+                <a:extLst>
+                  <a:ext uri="{0D108BD9-81ED-4DB2-BD59-A6C34878D82A}">
+                    <a16:rowId xmlns:a16="http://schemas.microsoft.com/office/drawing/2014/main" val="10002"/>
+                  </a:ext>
+                </a:extLst>
               </a:tr>
-              <a:tr h="226311">
+              <a:tr h="561281">
                 <a:tc>
                   <a:txBody>
                     <a:bodyPr/>
@@ -5409,13 +6265,26 @@
                         </a:spcAft>
                       </a:pPr>
                       <a:r>
-                        <a:rPr lang="en-US" sz="1500">
+                        <a:rPr lang="en-US" sz="1500" dirty="0">
                           <a:latin typeface="Arial" pitchFamily="34" charset="0"/>
                           <a:ea typeface="Times New Roman"/>
                           <a:cs typeface="Arial" pitchFamily="34" charset="0"/>
                         </a:rPr>
-                        <a:t>&lt;Student Name 3&gt;</a:t>
+                        <a:t>Kamran </a:t>
                       </a:r>
+                      <a:r>
+                        <a:rPr lang="en-US" sz="1500" baseline="0" dirty="0" err="1">
+                          <a:latin typeface="Arial" pitchFamily="34" charset="0"/>
+                          <a:ea typeface="Times New Roman"/>
+                          <a:cs typeface="Arial" pitchFamily="34" charset="0"/>
+                        </a:rPr>
+                        <a:t>Ahmadzada</a:t>
+                      </a:r>
+                      <a:endParaRPr lang="en-US" sz="1500" dirty="0">
+                        <a:latin typeface="Arial" pitchFamily="34" charset="0"/>
+                        <a:ea typeface="Times New Roman"/>
+                        <a:cs typeface="Arial" pitchFamily="34" charset="0"/>
+                      </a:endParaRPr>
                     </a:p>
                   </a:txBody>
                   <a:tcPr marL="84867" marR="84867" marT="0" marB="0">
@@ -5471,6 +6340,14 @@
                           <a:spcPts val="0"/>
                         </a:spcAft>
                       </a:pPr>
+                      <a:r>
+                        <a:rPr lang="en-US" sz="1500" baseline="0" dirty="0">
+                          <a:latin typeface="Arial" pitchFamily="34" charset="0"/>
+                          <a:ea typeface="Times New Roman"/>
+                          <a:cs typeface="Arial" pitchFamily="34" charset="0"/>
+                        </a:rPr>
+                        <a:t>           Menu, Controls, Sound</a:t>
+                      </a:r>
                       <a:endParaRPr lang="en-US" sz="1500" dirty="0">
                         <a:latin typeface="Arial" pitchFamily="34" charset="0"/>
                         <a:ea typeface="Times New Roman"/>
@@ -5531,11 +6408,14 @@
                           <a:spcPts val="0"/>
                         </a:spcAft>
                       </a:pPr>
-                      <a:endParaRPr lang="en-US" sz="1500">
-                        <a:latin typeface="Arial" pitchFamily="34" charset="0"/>
-                        <a:ea typeface="Times New Roman"/>
-                        <a:cs typeface="Arial" pitchFamily="34" charset="0"/>
-                      </a:endParaRPr>
+                      <a:r>
+                        <a:rPr lang="en-US" sz="1500" dirty="0">
+                          <a:latin typeface="Arial" pitchFamily="34" charset="0"/>
+                          <a:ea typeface="Times New Roman"/>
+                          <a:cs typeface="Arial" pitchFamily="34" charset="0"/>
+                        </a:rPr>
+                        <a:t>25</a:t>
+                      </a:r>
                     </a:p>
                   </a:txBody>
                   <a:tcPr marL="84867" marR="84867" marT="0" marB="0">
@@ -5581,8 +6461,13 @@
                     </a:lnBlToTr>
                   </a:tcPr>
                 </a:tc>
+                <a:extLst>
+                  <a:ext uri="{0D108BD9-81ED-4DB2-BD59-A6C34878D82A}">
+                    <a16:rowId xmlns:a16="http://schemas.microsoft.com/office/drawing/2014/main" val="10003"/>
+                  </a:ext>
+                </a:extLst>
               </a:tr>
-              <a:tr h="226311">
+              <a:tr h="561281">
                 <a:tc>
                   <a:txBody>
                     <a:bodyPr/>
@@ -5594,13 +6479,34 @@
                         </a:spcAft>
                       </a:pPr>
                       <a:r>
-                        <a:rPr lang="en-US" sz="1500">
+                        <a:rPr lang="en-US" sz="1500" dirty="0" err="1">
                           <a:latin typeface="Arial" pitchFamily="34" charset="0"/>
                           <a:ea typeface="Times New Roman"/>
                           <a:cs typeface="Arial" pitchFamily="34" charset="0"/>
                         </a:rPr>
-                        <a:t>&lt;Student Name 4&gt;</a:t>
+                        <a:t>Davud</a:t>
                       </a:r>
+                      <a:r>
+                        <a:rPr lang="en-US" sz="1500" baseline="0" dirty="0">
+                          <a:latin typeface="Arial" pitchFamily="34" charset="0"/>
+                          <a:ea typeface="Times New Roman"/>
+                          <a:cs typeface="Arial" pitchFamily="34" charset="0"/>
+                        </a:rPr>
+                        <a:t> </a:t>
+                      </a:r>
+                      <a:r>
+                        <a:rPr lang="en-US" sz="1500" baseline="0" dirty="0" err="1">
+                          <a:latin typeface="Arial" pitchFamily="34" charset="0"/>
+                          <a:ea typeface="Times New Roman"/>
+                          <a:cs typeface="Arial" pitchFamily="34" charset="0"/>
+                        </a:rPr>
+                        <a:t>Ismayilov</a:t>
+                      </a:r>
+                      <a:endParaRPr lang="en-US" sz="1500" dirty="0">
+                        <a:latin typeface="Arial" pitchFamily="34" charset="0"/>
+                        <a:ea typeface="Times New Roman"/>
+                        <a:cs typeface="Arial" pitchFamily="34" charset="0"/>
+                      </a:endParaRPr>
                     </a:p>
                   </a:txBody>
                   <a:tcPr marL="84867" marR="84867" marT="0" marB="0">
@@ -5654,6 +6560,22 @@
                           <a:spcPts val="0"/>
                         </a:spcAft>
                       </a:pPr>
+                      <a:r>
+                        <a:rPr lang="en-US" sz="1500" dirty="0">
+                          <a:latin typeface="Arial" pitchFamily="34" charset="0"/>
+                          <a:ea typeface="Times New Roman"/>
+                          <a:cs typeface="Arial" pitchFamily="34" charset="0"/>
+                        </a:rPr>
+                        <a:t>           Environment,</a:t>
+                      </a:r>
+                      <a:r>
+                        <a:rPr lang="en-US" sz="1500" baseline="0" dirty="0">
+                          <a:latin typeface="Arial" pitchFamily="34" charset="0"/>
+                          <a:ea typeface="Times New Roman"/>
+                          <a:cs typeface="Arial" pitchFamily="34" charset="0"/>
+                        </a:rPr>
+                        <a:t> Pain points, Proudest Moments</a:t>
+                      </a:r>
                       <a:endParaRPr lang="en-US" sz="1500" dirty="0">
                         <a:latin typeface="Arial" pitchFamily="34" charset="0"/>
                         <a:ea typeface="Times New Roman"/>
@@ -5712,11 +6634,14 @@
                           <a:spcPts val="0"/>
                         </a:spcAft>
                       </a:pPr>
-                      <a:endParaRPr lang="en-US" sz="1500" dirty="0">
-                        <a:latin typeface="Arial" pitchFamily="34" charset="0"/>
-                        <a:ea typeface="Times New Roman"/>
-                        <a:cs typeface="Arial" pitchFamily="34" charset="0"/>
-                      </a:endParaRPr>
+                      <a:r>
+                        <a:rPr lang="en-US" sz="1500" dirty="0">
+                          <a:latin typeface="Arial" pitchFamily="34" charset="0"/>
+                          <a:ea typeface="Times New Roman"/>
+                          <a:cs typeface="Arial" pitchFamily="34" charset="0"/>
+                        </a:rPr>
+                        <a:t>25</a:t>
+                      </a:r>
                     </a:p>
                   </a:txBody>
                   <a:tcPr marL="84867" marR="84867" marT="0" marB="0">
@@ -5760,23 +6685,176 @@
                     </a:lnBlToTr>
                   </a:tcPr>
                 </a:tc>
+                <a:extLst>
+                  <a:ext uri="{0D108BD9-81ED-4DB2-BD59-A6C34878D82A}">
+                    <a16:rowId xmlns:a16="http://schemas.microsoft.com/office/drawing/2014/main" val="10004"/>
+                  </a:ext>
+                </a:extLst>
               </a:tr>
             </a:tbl>
           </a:graphicData>
         </a:graphic>
       </p:graphicFrame>
     </p:spTree>
+    <p:extLst>
+      <p:ext uri="{BB962C8B-B14F-4D97-AF65-F5344CB8AC3E}">
+        <p14:creationId xmlns:p14="http://schemas.microsoft.com/office/powerpoint/2010/main" val="3041158343"/>
+      </p:ext>
+    </p:extLst>
   </p:cSld>
   <p:clrMapOvr>
     <a:masterClrMapping/>
   </p:clrMapOvr>
-  <p:timing>
-    <p:tnLst>
-      <p:par>
-        <p:cTn id="1" dur="indefinite" restart="never" nodeType="tmRoot"/>
-      </p:par>
-    </p:tnLst>
-  </p:timing>
+</p:sld>
+</file>
+
+<file path=ppt/slides/slide20.xml><?xml version="1.0" encoding="utf-8"?>
+<p:sld xmlns:a="http://schemas.openxmlformats.org/drawingml/2006/main" xmlns:r="http://schemas.openxmlformats.org/officeDocument/2006/relationships" xmlns:p="http://schemas.openxmlformats.org/presentationml/2006/main">
+  <p:cSld>
+    <p:spTree>
+      <p:nvGrpSpPr>
+        <p:cNvPr id="1" name=""/>
+        <p:cNvGrpSpPr/>
+        <p:nvPr/>
+      </p:nvGrpSpPr>
+      <p:grpSpPr>
+        <a:xfrm>
+          <a:off x="0" y="0"/>
+          <a:ext cx="0" cy="0"/>
+          <a:chOff x="0" y="0"/>
+          <a:chExt cx="0" cy="0"/>
+        </a:xfrm>
+      </p:grpSpPr>
+      <p:sp>
+        <p:nvSpPr>
+          <p:cNvPr id="2" name="Content Placeholder 1"/>
+          <p:cNvSpPr>
+            <a:spLocks noGrp="1"/>
+          </p:cNvSpPr>
+          <p:nvPr>
+            <p:ph idx="1"/>
+          </p:nvPr>
+        </p:nvSpPr>
+        <p:spPr/>
+        <p:txBody>
+          <a:bodyPr>
+            <a:normAutofit fontScale="62500" lnSpcReduction="20000"/>
+          </a:bodyPr>
+          <a:lstStyle/>
+          <a:p>
+            <a:r>
+              <a:rPr lang="en-US" dirty="0"/>
+              <a:t>The presentation will be graded based on the following criteria:</a:t>
+            </a:r>
+          </a:p>
+          <a:p>
+            <a:pPr lvl="1"/>
+            <a:r>
+              <a:rPr lang="en-US" b="1" dirty="0">
+                <a:solidFill>
+                  <a:srgbClr val="0070C0"/>
+                </a:solidFill>
+              </a:rPr>
+              <a:t>Content</a:t>
+            </a:r>
+            <a:r>
+              <a:rPr lang="en-US" dirty="0"/>
+              <a:t> 20%: from “Design content missing or completely useless.” to “All sections completed, design accurately reflects release contents. Design notes thoughtfully completed.” </a:t>
+            </a:r>
+          </a:p>
+          <a:p>
+            <a:pPr lvl="1"/>
+            <a:r>
+              <a:rPr lang="en-US" b="1" dirty="0">
+                <a:solidFill>
+                  <a:srgbClr val="0070C0"/>
+                </a:solidFill>
+              </a:rPr>
+              <a:t>Organization</a:t>
+            </a:r>
+            <a:r>
+              <a:rPr lang="en-US" dirty="0"/>
+              <a:t> 20%: from “No organized presentation. The needed information is elicited with questions.” to “Information presented in a logical, interesting sequence which audience can follow.”</a:t>
+            </a:r>
+          </a:p>
+          <a:p>
+            <a:pPr lvl="1"/>
+            <a:endParaRPr lang="en-US" dirty="0"/>
+          </a:p>
+          <a:p>
+            <a:pPr lvl="1"/>
+            <a:r>
+              <a:rPr lang="en-US" b="1" dirty="0">
+                <a:solidFill>
+                  <a:srgbClr val="0070C0"/>
+                </a:solidFill>
+              </a:rPr>
+              <a:t>Delivery</a:t>
+            </a:r>
+            <a:r>
+              <a:rPr lang="en-US" dirty="0"/>
+              <a:t> 20%: from “Presenters simply reads the slides, or is completely incomprehensible” to “Presenters used clear voice and correct, precise pronunciation of terms.” </a:t>
+            </a:r>
+          </a:p>
+          <a:p>
+            <a:pPr lvl="1"/>
+            <a:r>
+              <a:rPr lang="en-US" b="1" dirty="0">
+                <a:solidFill>
+                  <a:srgbClr val="0070C0"/>
+                </a:solidFill>
+              </a:rPr>
+              <a:t>Participation</a:t>
+            </a:r>
+            <a:r>
+              <a:rPr lang="en-US" dirty="0"/>
+              <a:t> 20%: from “Several team members missing. Conflicts within team visible.” to “Well-planned allocation of presentation all team members.”</a:t>
+            </a:r>
+          </a:p>
+          <a:p>
+            <a:pPr lvl="1"/>
+            <a:r>
+              <a:rPr lang="en-US" b="1" dirty="0">
+                <a:solidFill>
+                  <a:srgbClr val="0070C0"/>
+                </a:solidFill>
+              </a:rPr>
+              <a:t>Design Knowledge </a:t>
+            </a:r>
+            <a:r>
+              <a:rPr lang="en-US" dirty="0"/>
+              <a:t>20%: from “Team does not have grasp of information; cannot answer questions about the design.” to “Team demonstrates full knowledge with explanations and elaboration.”</a:t>
+            </a:r>
+          </a:p>
+        </p:txBody>
+      </p:sp>
+      <p:sp>
+        <p:nvSpPr>
+          <p:cNvPr id="3" name="Title 2"/>
+          <p:cNvSpPr>
+            <a:spLocks noGrp="1"/>
+          </p:cNvSpPr>
+          <p:nvPr>
+            <p:ph type="title"/>
+          </p:nvPr>
+        </p:nvSpPr>
+        <p:spPr/>
+        <p:txBody>
+          <a:bodyPr/>
+          <a:lstStyle/>
+          <a:p>
+            <a:r>
+              <a:rPr lang="en-US" dirty="0"/>
+              <a:t>Appendix</a:t>
+            </a:r>
+          </a:p>
+        </p:txBody>
+      </p:sp>
+    </p:spTree>
+  </p:cSld>
+  <p:clrMapOvr>
+    <a:masterClrMapping/>
+  </p:clrMapOvr>
 </p:sld>
 </file>
 
@@ -5810,118 +6888,53 @@
         <p:spPr/>
         <p:txBody>
           <a:bodyPr>
-            <a:normAutofit fontScale="77500" lnSpcReduction="20000"/>
+            <a:normAutofit/>
           </a:bodyPr>
           <a:lstStyle/>
           <a:p>
             <a:r>
-              <a:rPr lang="en-US" dirty="0" smtClean="0"/>
-              <a:t>&lt;Briefly describe the game. It is intended as an introduction and should be informal and concise.&gt; &lt;You can use/refer to your Game Development Document.&gt;</a:t>
-            </a:r>
-          </a:p>
-          <a:p>
-            <a:pPr>
-              <a:defRPr/>
-            </a:pPr>
-            <a:r>
-              <a:rPr lang="en-US" dirty="0" smtClean="0"/>
-              <a:t>&lt;Use</a:t>
-            </a:r>
-            <a:r>
-              <a:rPr lang="en-US" baseline="0" dirty="0" smtClean="0"/>
-              <a:t> this template</a:t>
-            </a:r>
-            <a:r>
-              <a:rPr lang="en-US" dirty="0" smtClean="0"/>
-              <a:t> to present in </a:t>
-            </a:r>
-            <a:r>
-              <a:rPr lang="en-US" b="1" dirty="0" smtClean="0">
+              <a:rPr lang="en-US" sz="2000" dirty="0"/>
+              <a:t>According to the [1] statistics shooter genre are most popular (32%) among the US and Asian gamers.</a:t>
+            </a:r>
+            <a:br>
+              <a:rPr lang="en-US" sz="2000" dirty="0"/>
+            </a:br>
+            <a:br>
+              <a:rPr lang="en-US" sz="2000" dirty="0"/>
+            </a:br>
+            <a:endParaRPr lang="en-US" sz="2000" dirty="0"/>
+          </a:p>
+          <a:p>
+            <a:r>
+              <a:rPr lang="en-US" sz="2000" dirty="0"/>
+              <a:t>Players who have some shooter game experience will be familiar with gameplay and are expected to have less adaptation process than others.</a:t>
+            </a:r>
+            <a:br>
+              <a:rPr lang="en-US" sz="2000" dirty="0"/>
+            </a:br>
+            <a:br>
+              <a:rPr lang="en-US" sz="2000" dirty="0"/>
+            </a:br>
+            <a:endParaRPr lang="en-US" sz="2000" dirty="0"/>
+          </a:p>
+          <a:p>
+            <a:r>
+              <a:rPr lang="en-US" sz="2000" dirty="0"/>
+              <a:t>No violation, therefore there is no age restriction and any graphical content</a:t>
+            </a:r>
+            <a:r>
+              <a:rPr lang="en-US" sz="2000" dirty="0">
                 <a:solidFill>
-                  <a:schemeClr val="accent5">
+                  <a:schemeClr val="tx2">
                     <a:lumMod val="75000"/>
                   </a:schemeClr>
                 </a:solidFill>
               </a:rPr>
-              <a:t>~10</a:t>
-            </a:r>
-            <a:r>
-              <a:rPr lang="en-US" b="1" baseline="0" dirty="0" smtClean="0">
-                <a:solidFill>
-                  <a:schemeClr val="accent5">
-                    <a:lumMod val="75000"/>
-                  </a:schemeClr>
-                </a:solidFill>
-              </a:rPr>
-              <a:t> minutes</a:t>
-            </a:r>
-            <a:r>
-              <a:rPr lang="en-US" baseline="0" dirty="0" smtClean="0"/>
-              <a:t> </a:t>
-            </a:r>
-            <a:r>
-              <a:rPr lang="en-US" dirty="0" smtClean="0"/>
-              <a:t>key game project concepts, your game design and decisions. Feel free to </a:t>
-            </a:r>
-            <a:r>
-              <a:rPr lang="en-US" b="1" dirty="0" smtClean="0"/>
-              <a:t>MODIFY</a:t>
-            </a:r>
-            <a:r>
-              <a:rPr lang="en-US" b="1" baseline="0" dirty="0" smtClean="0"/>
-              <a:t> </a:t>
-            </a:r>
-            <a:r>
-              <a:rPr lang="en-US" baseline="0" dirty="0" smtClean="0"/>
-              <a:t>it (colors, </a:t>
-            </a:r>
-            <a:r>
-              <a:rPr lang="en-US" dirty="0" smtClean="0"/>
-              <a:t>fonts, illustrations)</a:t>
-            </a:r>
-            <a:r>
-              <a:rPr lang="en-US" baseline="0" dirty="0" smtClean="0"/>
-              <a:t> to </a:t>
-            </a:r>
-            <a:r>
-              <a:rPr lang="en-US" b="1" dirty="0" smtClean="0"/>
-              <a:t>IMPROVE</a:t>
-            </a:r>
-            <a:r>
-              <a:rPr lang="en-US" b="1" baseline="0" dirty="0" smtClean="0"/>
-              <a:t> </a:t>
-            </a:r>
-            <a:r>
-              <a:rPr lang="en-US" baseline="0" dirty="0" smtClean="0"/>
-              <a:t>your presentation. It should attract representatives of </a:t>
-            </a:r>
-            <a:r>
-              <a:rPr lang="en-US" dirty="0" smtClean="0"/>
-              <a:t>potential investor company.&gt;  </a:t>
-            </a:r>
-          </a:p>
-          <a:p>
-            <a:pPr>
-              <a:defRPr/>
-            </a:pPr>
-            <a:r>
-              <a:rPr lang="en-US" dirty="0" smtClean="0"/>
-              <a:t>&lt;Be ready to answer some questions. The presentation will be graded based on the criteria provided in the </a:t>
-            </a:r>
-            <a:r>
-              <a:rPr lang="en-US" b="1" dirty="0" smtClean="0">
-                <a:solidFill>
-                  <a:schemeClr val="accent5">
-                    <a:lumMod val="75000"/>
-                  </a:schemeClr>
-                </a:solidFill>
-              </a:rPr>
-              <a:t>Appendix</a:t>
-            </a:r>
-            <a:r>
-              <a:rPr lang="en-US" dirty="0" smtClean="0"/>
-              <a:t>.&gt;</a:t>
-            </a:r>
+              <a:t>.</a:t>
+            </a:r>
+          </a:p>
+          <a:p>
+            <a:endParaRPr lang="en-US" sz="2000" dirty="0"/>
           </a:p>
         </p:txBody>
       </p:sp>
@@ -5942,7 +6955,7 @@
           <a:p>
             <a:pPr eaLnBrk="1" hangingPunct="1"/>
             <a:r>
-              <a:rPr lang="en-US" dirty="0" smtClean="0"/>
+              <a:rPr lang="en-US" dirty="0"/>
               <a:t>Introduction</a:t>
             </a:r>
           </a:p>
@@ -5983,109 +6996,71 @@
             <p:ph idx="1"/>
           </p:nvPr>
         </p:nvSpPr>
+        <p:spPr>
+          <a:xfrm>
+            <a:off x="539552" y="2060848"/>
+            <a:ext cx="8229600" cy="4525963"/>
+          </a:xfrm>
+        </p:spPr>
+        <p:txBody>
+          <a:bodyPr>
+            <a:normAutofit/>
+          </a:bodyPr>
+          <a:lstStyle/>
+          <a:p>
+            <a:r>
+              <a:rPr lang="en-US" sz="2500" dirty="0"/>
+              <a:t>Frozen Summer is a single player game which is inspired from Azerbaijani fairy tales.</a:t>
+            </a:r>
+            <a:br>
+              <a:rPr lang="en-US" sz="2500" dirty="0"/>
+            </a:br>
+            <a:endParaRPr lang="en-US" sz="2500" dirty="0"/>
+          </a:p>
+          <a:p>
+            <a:r>
+              <a:rPr lang="en-US" sz="2500" dirty="0"/>
+              <a:t>Main player has to destroy all snowmen in a given time.</a:t>
+            </a:r>
+            <a:br>
+              <a:rPr lang="en-US" sz="2500" dirty="0"/>
+            </a:br>
+            <a:endParaRPr lang="en-US" sz="2500" dirty="0"/>
+          </a:p>
+          <a:p>
+            <a:r>
+              <a:rPr lang="en-US" sz="2500" dirty="0" err="1"/>
+              <a:t>Baybecan</a:t>
+            </a:r>
+            <a:r>
+              <a:rPr lang="en-US" sz="2500" dirty="0"/>
+              <a:t> can use objects in the map for defense.</a:t>
+            </a:r>
+          </a:p>
+          <a:p>
+            <a:endParaRPr lang="en-US" dirty="0"/>
+          </a:p>
+        </p:txBody>
+      </p:sp>
+      <p:sp>
+        <p:nvSpPr>
+          <p:cNvPr id="3" name="Title 2"/>
+          <p:cNvSpPr>
+            <a:spLocks noGrp="1"/>
+          </p:cNvSpPr>
+          <p:nvPr>
+            <p:ph type="title"/>
+          </p:nvPr>
+        </p:nvSpPr>
         <p:spPr/>
         <p:txBody>
-          <a:bodyPr>
-            <a:normAutofit fontScale="85000" lnSpcReduction="10000"/>
-          </a:bodyPr>
-          <a:lstStyle/>
-          <a:p>
-            <a:r>
-              <a:rPr lang="en-US" dirty="0" smtClean="0"/>
-              <a:t>&lt;In your presentation try to answer the following questions:</a:t>
-            </a:r>
-          </a:p>
-          <a:p>
-            <a:pPr lvl="1"/>
-            <a:r>
-              <a:rPr lang="en-US" dirty="0" smtClean="0"/>
-              <a:t>Which method did you use to</a:t>
-            </a:r>
-            <a:r>
-              <a:rPr lang="en-US" baseline="0" dirty="0" smtClean="0"/>
-              <a:t> generate</a:t>
-            </a:r>
-            <a:r>
-              <a:rPr lang="en-US" dirty="0" smtClean="0"/>
-              <a:t> your </a:t>
-            </a:r>
-            <a:r>
-              <a:rPr lang="en-US" dirty="0" err="1" smtClean="0"/>
-              <a:t>gameplay</a:t>
-            </a:r>
-            <a:r>
-              <a:rPr lang="en-US" dirty="0" smtClean="0"/>
-              <a:t>?</a:t>
-            </a:r>
-            <a:r>
-              <a:rPr lang="en-US" baseline="0" dirty="0" smtClean="0"/>
-              <a:t> </a:t>
-            </a:r>
-            <a:r>
-              <a:rPr lang="en-US" dirty="0" smtClean="0"/>
-              <a:t>Possibly some mathematical background.</a:t>
-            </a:r>
-            <a:endParaRPr lang="en-US" baseline="0" dirty="0" smtClean="0"/>
-          </a:p>
-          <a:p>
-            <a:pPr lvl="1"/>
-            <a:r>
-              <a:rPr lang="en-US" dirty="0" smtClean="0"/>
-              <a:t>How well (or not) it worked? Which Unity functionality was used?</a:t>
-            </a:r>
-          </a:p>
-          <a:p>
-            <a:pPr lvl="1">
-              <a:defRPr/>
-            </a:pPr>
-            <a:r>
-              <a:rPr lang="en-US" dirty="0" smtClean="0"/>
-              <a:t>Pain points i.e. main challenges (technical or other). What you thought would be easy that turned out hard or thought would be hard that turned out easy?</a:t>
-            </a:r>
-          </a:p>
-          <a:p>
-            <a:pPr lvl="1">
-              <a:defRPr/>
-            </a:pPr>
-            <a:r>
-              <a:rPr lang="en-US" dirty="0" smtClean="0"/>
-              <a:t>Your Proudest Moment</a:t>
-            </a:r>
-            <a:r>
-              <a:rPr lang="en-US" dirty="0" smtClean="0">
-                <a:latin typeface="Arial"/>
-                <a:cs typeface="Arial"/>
-              </a:rPr>
-              <a:t>™</a:t>
-            </a:r>
-            <a:r>
-              <a:rPr lang="en-US" dirty="0" smtClean="0"/>
-              <a:t> i.e. the breakthrough. What you think was the coolest thing you discovered or produced during this project?&gt;</a:t>
-            </a:r>
-            <a:endParaRPr lang="en-US" dirty="0"/>
-          </a:p>
-        </p:txBody>
-      </p:sp>
-      <p:sp>
-        <p:nvSpPr>
-          <p:cNvPr id="3" name="Title 2"/>
-          <p:cNvSpPr>
-            <a:spLocks noGrp="1"/>
-          </p:cNvSpPr>
-          <p:nvPr>
-            <p:ph type="title"/>
-          </p:nvPr>
-        </p:nvSpPr>
-        <p:spPr/>
-        <p:txBody>
           <a:bodyPr/>
           <a:lstStyle/>
           <a:p>
             <a:r>
-              <a:rPr lang="az-Latn-AZ" dirty="0" smtClean="0"/>
-              <a:t>Questions</a:t>
-            </a:r>
-            <a:endParaRPr lang="en-US" dirty="0"/>
+              <a:rPr lang="en-US" dirty="0"/>
+              <a:t>Game Description: Overview</a:t>
+            </a:r>
           </a:p>
         </p:txBody>
       </p:sp>
@@ -6124,242 +7099,68 @@
             <p:ph idx="1"/>
           </p:nvPr>
         </p:nvSpPr>
+        <p:spPr>
+          <a:xfrm>
+            <a:off x="453511" y="1916832"/>
+            <a:ext cx="8229600" cy="4525963"/>
+          </a:xfrm>
+        </p:spPr>
+        <p:txBody>
+          <a:bodyPr>
+            <a:normAutofit/>
+          </a:bodyPr>
+          <a:lstStyle/>
+          <a:p>
+            <a:r>
+              <a:rPr lang="en-US" sz="2500" dirty="0"/>
+              <a:t>Main goal of the Frozen Summer is surviving from snowmen in a given time and collecting scores by hitting the buckets of the snowmen.</a:t>
+            </a:r>
+          </a:p>
+          <a:p>
+            <a:endParaRPr lang="en-US" sz="2500" dirty="0"/>
+          </a:p>
+          <a:p>
+            <a:r>
+              <a:rPr lang="en-US" sz="2500" dirty="0"/>
+              <a:t>Different techniques can be used to successfully finish the game.</a:t>
+            </a:r>
+          </a:p>
+          <a:p>
+            <a:endParaRPr lang="en-US" sz="2500" dirty="0"/>
+          </a:p>
+          <a:p>
+            <a:r>
+              <a:rPr lang="en-US" sz="2500" dirty="0"/>
+              <a:t>Main player can find perfect spot in the map in order to destroy snowmen more easily.</a:t>
+            </a:r>
+          </a:p>
+          <a:p>
+            <a:pPr marL="0" indent="0">
+              <a:buNone/>
+            </a:pPr>
+            <a:endParaRPr lang="en-US" dirty="0"/>
+          </a:p>
+        </p:txBody>
+      </p:sp>
+      <p:sp>
+        <p:nvSpPr>
+          <p:cNvPr id="3" name="Title 2"/>
+          <p:cNvSpPr>
+            <a:spLocks noGrp="1"/>
+          </p:cNvSpPr>
+          <p:nvPr>
+            <p:ph type="title"/>
+          </p:nvPr>
+        </p:nvSpPr>
         <p:spPr/>
         <p:txBody>
-          <a:bodyPr>
-            <a:normAutofit fontScale="70000" lnSpcReduction="20000"/>
-          </a:bodyPr>
-          <a:lstStyle/>
-          <a:p>
-            <a:r>
-              <a:rPr lang="en-US" dirty="0" smtClean="0"/>
-              <a:t>&lt;Describe the game in greater detail in this and the following subsections&gt;</a:t>
-            </a:r>
-          </a:p>
-          <a:p>
-            <a:r>
-              <a:rPr lang="en-US" dirty="0" smtClean="0"/>
-              <a:t>&lt;Big picture of the game, main quest, main players, etc.&gt;</a:t>
-            </a:r>
-          </a:p>
-          <a:p>
-            <a:r>
-              <a:rPr lang="en-US" dirty="0" smtClean="0"/>
-              <a:t>&lt;</a:t>
-            </a:r>
-            <a:r>
-              <a:rPr lang="en-US" b="1" dirty="0" smtClean="0">
-                <a:solidFill>
-                  <a:srgbClr val="FF0000"/>
-                </a:solidFill>
-                <a:ea typeface="Times New Roman"/>
-              </a:rPr>
-              <a:t>Bonus:</a:t>
-            </a:r>
-            <a:r>
-              <a:rPr lang="en-US" dirty="0" smtClean="0">
-                <a:ea typeface="Times New Roman"/>
-              </a:rPr>
-              <a:t> To get extra </a:t>
-            </a:r>
-            <a:r>
-              <a:rPr lang="en-US" b="1" dirty="0" smtClean="0">
-                <a:ea typeface="Times New Roman"/>
-              </a:rPr>
-              <a:t>5%</a:t>
-            </a:r>
-            <a:r>
-              <a:rPr lang="en-US" dirty="0" smtClean="0">
-                <a:ea typeface="Times New Roman"/>
-              </a:rPr>
-              <a:t> points present also URL to short online video of the </a:t>
-            </a:r>
-            <a:r>
-              <a:rPr lang="en-US" dirty="0" err="1" smtClean="0">
-                <a:ea typeface="Times New Roman"/>
-              </a:rPr>
-              <a:t>gameplay</a:t>
-            </a:r>
-            <a:r>
-              <a:rPr lang="en-US" dirty="0" smtClean="0">
-                <a:ea typeface="Times New Roman"/>
-              </a:rPr>
-              <a:t>. </a:t>
-            </a:r>
-            <a:r>
-              <a:rPr lang="en-US" dirty="0" smtClean="0">
-                <a:latin typeface="Arial"/>
-                <a:ea typeface="Times New Roman"/>
-                <a:cs typeface="Arial"/>
-              </a:rPr>
-              <a:t>Plus </a:t>
-            </a:r>
-            <a:r>
-              <a:rPr lang="en-US" b="1" dirty="0" smtClean="0">
-                <a:latin typeface="Arial"/>
-                <a:ea typeface="Times New Roman"/>
-                <a:cs typeface="Arial"/>
-              </a:rPr>
-              <a:t>10%</a:t>
-            </a:r>
-            <a:r>
-              <a:rPr lang="en-US" dirty="0" smtClean="0">
-                <a:latin typeface="Arial"/>
-                <a:ea typeface="Times New Roman"/>
-                <a:cs typeface="Arial"/>
-              </a:rPr>
-              <a:t> over this will be awarded for ‘behind the scenes’ video about development process.</a:t>
-            </a:r>
-            <a:br>
-              <a:rPr lang="en-US" dirty="0" smtClean="0">
-                <a:latin typeface="Arial"/>
-                <a:ea typeface="Times New Roman"/>
-                <a:cs typeface="Arial"/>
-              </a:rPr>
-            </a:br>
-            <a:r>
-              <a:rPr lang="en-US" b="1" dirty="0" smtClean="0"/>
-              <a:t>Publish your video(s)</a:t>
-            </a:r>
-            <a:r>
-              <a:rPr lang="en-US" dirty="0" smtClean="0"/>
-              <a:t> online</a:t>
-            </a:r>
-            <a:r>
-              <a:rPr lang="az-Latn-AZ" dirty="0" smtClean="0"/>
-              <a:t> as</a:t>
-            </a:r>
-            <a:r>
-              <a:rPr lang="en-US" dirty="0" smtClean="0"/>
-              <a:t> a </a:t>
-            </a:r>
-            <a:r>
-              <a:rPr lang="en-US" b="1" dirty="0" smtClean="0"/>
-              <a:t>public</a:t>
-            </a:r>
-            <a:r>
-              <a:rPr lang="en-US" dirty="0" smtClean="0"/>
-              <a:t> post on </a:t>
-            </a:r>
-            <a:r>
-              <a:rPr lang="en-US" dirty="0" err="1" smtClean="0"/>
-              <a:t>Facebook</a:t>
-            </a:r>
-            <a:r>
-              <a:rPr lang="en-US" dirty="0" smtClean="0"/>
-              <a:t> with </a:t>
-            </a:r>
-            <a:r>
-              <a:rPr lang="en-US" dirty="0" smtClean="0"/>
-              <a:t>hash-tags including #</a:t>
-            </a:r>
-            <a:r>
-              <a:rPr lang="en-US" dirty="0" smtClean="0"/>
-              <a:t>CSCI4836, #</a:t>
-            </a:r>
-            <a:r>
-              <a:rPr lang="en-US" smtClean="0"/>
-              <a:t>GameDevFundamentals </a:t>
-            </a:r>
-            <a:r>
-              <a:rPr lang="en-US" dirty="0" smtClean="0"/>
-              <a:t>and #</a:t>
-            </a:r>
-            <a:r>
-              <a:rPr lang="en-US" dirty="0" err="1" smtClean="0"/>
-              <a:t>ADAUniversity</a:t>
-            </a:r>
-            <a:r>
-              <a:rPr lang="en-US" dirty="0" smtClean="0"/>
-              <a:t>.</a:t>
-            </a:r>
-          </a:p>
-          <a:p>
-            <a:r>
-              <a:rPr lang="en-US" dirty="0" smtClean="0">
-                <a:latin typeface="Arial"/>
-                <a:ea typeface="Times New Roman"/>
-                <a:cs typeface="Arial"/>
-              </a:rPr>
-              <a:t>Plus </a:t>
-            </a:r>
-            <a:r>
-              <a:rPr lang="en-US" b="1" dirty="0" smtClean="0">
-                <a:latin typeface="Arial"/>
-                <a:ea typeface="Times New Roman"/>
-                <a:cs typeface="Arial"/>
-              </a:rPr>
-              <a:t>15%</a:t>
-            </a:r>
-            <a:r>
-              <a:rPr lang="en-US" dirty="0" smtClean="0">
-                <a:latin typeface="Arial"/>
-                <a:ea typeface="Times New Roman"/>
-                <a:cs typeface="Arial"/>
-              </a:rPr>
-              <a:t> more for a working prototype.</a:t>
-            </a:r>
-            <a:r>
-              <a:rPr lang="en-US" dirty="0" smtClean="0"/>
-              <a:t>&gt;</a:t>
-            </a:r>
-            <a:endParaRPr lang="en-US" dirty="0" smtClean="0">
-              <a:latin typeface="Arial"/>
-              <a:ea typeface="Times New Roman"/>
-              <a:cs typeface="Arial"/>
-            </a:endParaRPr>
-          </a:p>
-          <a:p>
-            <a:r>
-              <a:rPr lang="en-US" dirty="0" smtClean="0">
-                <a:latin typeface="Arial"/>
-                <a:ea typeface="Times New Roman"/>
-                <a:cs typeface="Arial"/>
-              </a:rPr>
-              <a:t>&lt;</a:t>
-            </a:r>
-            <a:r>
-              <a:rPr lang="en-US" dirty="0" smtClean="0"/>
-              <a:t>In case of having multiple files all of them should be submitted as part of a </a:t>
-            </a:r>
-            <a:r>
-              <a:rPr lang="en-US" b="1" dirty="0" smtClean="0"/>
-              <a:t>SINGLE</a:t>
-            </a:r>
-            <a:r>
-              <a:rPr lang="en-US" dirty="0" smtClean="0"/>
-              <a:t> .zip archive file.</a:t>
-            </a:r>
-            <a:r>
-              <a:rPr lang="en-US" dirty="0" smtClean="0">
-                <a:ea typeface="Times New Roman"/>
-              </a:rPr>
-              <a:t>&gt;</a:t>
-            </a:r>
-            <a:endParaRPr lang="en-US" dirty="0" smtClean="0"/>
-          </a:p>
-        </p:txBody>
-      </p:sp>
-      <p:sp>
-        <p:nvSpPr>
-          <p:cNvPr id="3" name="Title 2"/>
-          <p:cNvSpPr>
-            <a:spLocks noGrp="1"/>
-          </p:cNvSpPr>
-          <p:nvPr>
-            <p:ph type="title"/>
-          </p:nvPr>
-        </p:nvSpPr>
-        <p:spPr/>
-        <p:txBody>
           <a:bodyPr/>
           <a:lstStyle/>
           <a:p>
             <a:r>
-              <a:rPr lang="en-US" dirty="0" smtClean="0"/>
-              <a:t>Game Description: Overview</a:t>
-            </a:r>
-            <a:endParaRPr lang="en-US" dirty="0"/>
+              <a:rPr lang="en-US" dirty="0"/>
+              <a:t>Game Description: The Quest</a:t>
+            </a:r>
           </a:p>
         </p:txBody>
       </p:sp>
@@ -6406,16 +7207,8 @@
           <a:lstStyle/>
           <a:p>
             <a:r>
-              <a:rPr lang="en-US" dirty="0" smtClean="0"/>
-              <a:t>&lt; Describe the quest in further detail, obstacles, rewards, and the final objective. Is the game broken into levels or intermediate stages of </a:t>
-            </a:r>
-            <a:r>
-              <a:rPr lang="en-US" dirty="0" err="1" smtClean="0"/>
-              <a:t>gameplay</a:t>
-            </a:r>
-            <a:r>
-              <a:rPr lang="en-US" dirty="0" smtClean="0"/>
-              <a:t>?&gt;</a:t>
+              <a:rPr lang="en-US" sz="2400" dirty="0"/>
+              <a:t>Main character is dressed with national outfit. He has ability to shoot snowball which is one headshot is enough to kill one snowmen. First Person shooter view.</a:t>
             </a:r>
           </a:p>
         </p:txBody>
@@ -6432,17 +7225,43 @@
         </p:nvSpPr>
         <p:spPr/>
         <p:txBody>
-          <a:bodyPr/>
-          <a:lstStyle/>
-          <a:p>
-            <a:r>
-              <a:rPr lang="en-US" dirty="0" smtClean="0"/>
-              <a:t>Game Description: The Quest</a:t>
-            </a:r>
-            <a:endParaRPr lang="en-US" dirty="0"/>
-          </a:p>
-        </p:txBody>
-      </p:sp>
+          <a:bodyPr>
+            <a:normAutofit fontScale="90000"/>
+          </a:bodyPr>
+          <a:lstStyle/>
+          <a:p>
+            <a:pPr lvl="0"/>
+            <a:r>
+              <a:rPr lang="en-US" dirty="0"/>
+              <a:t>Game Description: Main Character</a:t>
+            </a:r>
+          </a:p>
+        </p:txBody>
+      </p:sp>
+      <p:pic>
+        <p:nvPicPr>
+          <p:cNvPr id="4" name="Picture 3"/>
+          <p:cNvPicPr>
+            <a:picLocks noChangeAspect="1"/>
+          </p:cNvPicPr>
+          <p:nvPr/>
+        </p:nvPicPr>
+        <p:blipFill>
+          <a:blip r:embed="rId2"/>
+          <a:stretch>
+            <a:fillRect/>
+          </a:stretch>
+        </p:blipFill>
+        <p:spPr>
+          <a:xfrm>
+            <a:off x="827584" y="3212976"/>
+            <a:ext cx="7704856" cy="2016224"/>
+          </a:xfrm>
+          <a:prstGeom prst="rect">
+            <a:avLst/>
+          </a:prstGeom>
+        </p:spPr>
+      </p:pic>
     </p:spTree>
   </p:cSld>
   <p:clrMapOvr>
@@ -6470,53 +7289,7 @@
       </p:grpSpPr>
       <p:sp>
         <p:nvSpPr>
-          <p:cNvPr id="2" name="Content Placeholder 1"/>
-          <p:cNvSpPr>
-            <a:spLocks noGrp="1"/>
-          </p:cNvSpPr>
-          <p:nvPr>
-            <p:ph idx="1"/>
-          </p:nvPr>
-        </p:nvSpPr>
-        <p:spPr/>
-        <p:txBody>
-          <a:bodyPr>
-            <a:normAutofit/>
-          </a:bodyPr>
-          <a:lstStyle/>
-          <a:p>
-            <a:r>
-              <a:rPr lang="en-US" dirty="0" smtClean="0"/>
-              <a:t>&lt;Describe main character, powers, change with </a:t>
-            </a:r>
-            <a:r>
-              <a:rPr lang="en-US" dirty="0" err="1" smtClean="0"/>
-              <a:t>gameplay</a:t>
-            </a:r>
-            <a:r>
-              <a:rPr lang="en-US" dirty="0" smtClean="0"/>
-              <a:t>, </a:t>
-            </a:r>
-            <a:r>
-              <a:rPr lang="en-US" dirty="0" err="1" smtClean="0"/>
-              <a:t>firstperson</a:t>
-            </a:r>
-            <a:r>
-              <a:rPr lang="en-US" dirty="0" smtClean="0"/>
-              <a:t>, third-person?&gt;</a:t>
-            </a:r>
-          </a:p>
-          <a:p>
-            <a:r>
-              <a:rPr lang="en-US" dirty="0" smtClean="0"/>
-              <a:t>&lt;A sketch of the Main Character&gt;</a:t>
-            </a:r>
-          </a:p>
-        </p:txBody>
-      </p:sp>
-      <p:sp>
-        <p:nvSpPr>
-          <p:cNvPr id="3" name="Title 2"/>
+          <p:cNvPr id="5" name="Title 2"/>
           <p:cNvSpPr>
             <a:spLocks noGrp="1"/>
           </p:cNvSpPr>
@@ -6524,7 +7297,12 @@
             <p:ph type="title"/>
           </p:nvPr>
         </p:nvSpPr>
-        <p:spPr/>
+        <p:spPr>
+          <a:xfrm>
+            <a:off x="457200" y="274638"/>
+            <a:ext cx="8229600" cy="1143000"/>
+          </a:xfrm>
+        </p:spPr>
         <p:txBody>
           <a:bodyPr>
             <a:normAutofit fontScale="90000"/>
@@ -6533,14 +7311,66 @@
           <a:p>
             <a:pPr lvl="0"/>
             <a:r>
-              <a:rPr lang="en-US" dirty="0" smtClean="0"/>
+              <a:rPr lang="en-US" dirty="0"/>
               <a:t>Game Description: Main Character</a:t>
             </a:r>
-            <a:endParaRPr lang="en-US" dirty="0"/>
-          </a:p>
-        </p:txBody>
-      </p:sp>
+          </a:p>
+        </p:txBody>
+      </p:sp>
+      <p:pic>
+        <p:nvPicPr>
+          <p:cNvPr id="6" name="Picture 5"/>
+          <p:cNvPicPr>
+            <a:picLocks noChangeAspect="1"/>
+          </p:cNvPicPr>
+          <p:nvPr/>
+        </p:nvPicPr>
+        <p:blipFill>
+          <a:blip r:embed="rId2"/>
+          <a:stretch>
+            <a:fillRect/>
+          </a:stretch>
+        </p:blipFill>
+        <p:spPr>
+          <a:xfrm>
+            <a:off x="504497" y="1196752"/>
+            <a:ext cx="3407745" cy="4424090"/>
+          </a:xfrm>
+          <a:prstGeom prst="rect">
+            <a:avLst/>
+          </a:prstGeom>
+        </p:spPr>
+      </p:pic>
+      <p:pic>
+        <p:nvPicPr>
+          <p:cNvPr id="7" name="Picture 6"/>
+          <p:cNvPicPr>
+            <a:picLocks noChangeAspect="1"/>
+          </p:cNvPicPr>
+          <p:nvPr/>
+        </p:nvPicPr>
+        <p:blipFill>
+          <a:blip r:embed="rId3"/>
+          <a:stretch>
+            <a:fillRect/>
+          </a:stretch>
+        </p:blipFill>
+        <p:spPr>
+          <a:xfrm>
+            <a:off x="4572000" y="1196752"/>
+            <a:ext cx="3841684" cy="4336901"/>
+          </a:xfrm>
+          <a:prstGeom prst="rect">
+            <a:avLst/>
+          </a:prstGeom>
+        </p:spPr>
+      </p:pic>
     </p:spTree>
+    <p:extLst>
+      <p:ext uri="{BB962C8B-B14F-4D97-AF65-F5344CB8AC3E}">
+        <p14:creationId xmlns:p14="http://schemas.microsoft.com/office/powerpoint/2010/main" val="1443061953"/>
+      </p:ext>
+    </p:extLst>
   </p:cSld>
   <p:clrMapOvr>
     <a:masterClrMapping/>
@@ -6583,22 +7413,8 @@
           <a:lstStyle/>
           <a:p>
             <a:r>
-              <a:rPr lang="en-US" dirty="0" smtClean="0"/>
-              <a:t>&lt;Describe main opponents, intelligence, attack, hide, or evade?&gt;</a:t>
-            </a:r>
-          </a:p>
-          <a:p>
-            <a:r>
-              <a:rPr lang="en-US" dirty="0" smtClean="0"/>
-              <a:t>&lt;A sketch of the primary Opponents.</a:t>
-            </a:r>
-            <a:r>
-              <a:rPr lang="en-US" baseline="0" dirty="0" smtClean="0"/>
-              <a:t>&gt;</a:t>
-            </a:r>
-            <a:r>
-              <a:rPr lang="en-US" dirty="0" smtClean="0"/>
-              <a:t> </a:t>
+              <a:rPr lang="en-US" dirty="0"/>
+              <a:t>Main opponents are snowmen. In order to hide from your enemy you have a opportunity to use objects in the middle of the map.</a:t>
             </a:r>
           </a:p>
         </p:txBody>
@@ -6621,10 +7437,9 @@
           <a:lstStyle/>
           <a:p>
             <a:r>
-              <a:rPr lang="en-US" dirty="0" smtClean="0"/>
+              <a:rPr lang="en-US" dirty="0"/>
               <a:t>Game Description: Opponents</a:t>
             </a:r>
-            <a:endParaRPr lang="en-US" dirty="0"/>
           </a:p>
         </p:txBody>
       </p:sp>
@@ -6655,12 +7470,12 @@
       </p:grpSpPr>
       <p:sp>
         <p:nvSpPr>
-          <p:cNvPr id="2" name="Content Placeholder 1"/>
-          <p:cNvSpPr>
-            <a:spLocks noGrp="1"/>
-          </p:cNvSpPr>
-          <p:nvPr>
-            <p:ph idx="1"/>
+          <p:cNvPr id="3" name="Title 2"/>
+          <p:cNvSpPr>
+            <a:spLocks noGrp="1"/>
+          </p:cNvSpPr>
+          <p:nvPr>
+            <p:ph type="title"/>
           </p:nvPr>
         </p:nvSpPr>
         <p:spPr/>
@@ -6669,49 +7484,42 @@
           <a:lstStyle/>
           <a:p>
             <a:r>
-              <a:rPr lang="en-US" dirty="0" smtClean="0"/>
-              <a:t>&lt;Description of the environment in which the game is played, outer space, urban, futuristic, etc.&gt;</a:t>
-            </a:r>
-          </a:p>
-          <a:p>
-            <a:r>
-              <a:rPr lang="en-US" dirty="0" smtClean="0"/>
-              <a:t>&lt;A sketch of the level in which the game is played.</a:t>
-            </a:r>
-            <a:r>
-              <a:rPr lang="en-US" baseline="0" dirty="0" smtClean="0"/>
-              <a:t>&gt;</a:t>
-            </a:r>
-            <a:endParaRPr lang="en-US" dirty="0" smtClean="0"/>
-          </a:p>
-        </p:txBody>
-      </p:sp>
-      <p:sp>
-        <p:nvSpPr>
-          <p:cNvPr id="3" name="Title 2"/>
-          <p:cNvSpPr>
-            <a:spLocks noGrp="1"/>
-          </p:cNvSpPr>
-          <p:nvPr>
-            <p:ph type="title"/>
-          </p:nvPr>
-        </p:nvSpPr>
-        <p:spPr/>
-        <p:txBody>
-          <a:bodyPr>
-            <a:normAutofit/>
-          </a:bodyPr>
-          <a:lstStyle/>
-          <a:p>
-            <a:r>
-              <a:rPr lang="en-US" dirty="0" smtClean="0"/>
-              <a:t>Game Description: Environment</a:t>
-            </a:r>
-            <a:endParaRPr lang="en-US" dirty="0"/>
-          </a:p>
-        </p:txBody>
-      </p:sp>
+              <a:rPr lang="en-US" dirty="0"/>
+              <a:t>Game Matrix</a:t>
+            </a:r>
+          </a:p>
+        </p:txBody>
+      </p:sp>
+      <p:pic>
+        <p:nvPicPr>
+          <p:cNvPr id="4" name="Picture 3"/>
+          <p:cNvPicPr>
+            <a:picLocks noChangeAspect="1"/>
+          </p:cNvPicPr>
+          <p:nvPr/>
+        </p:nvPicPr>
+        <p:blipFill>
+          <a:blip r:embed="rId2"/>
+          <a:stretch>
+            <a:fillRect/>
+          </a:stretch>
+        </p:blipFill>
+        <p:spPr>
+          <a:xfrm>
+            <a:off x="683568" y="1196752"/>
+            <a:ext cx="7877640" cy="4752528"/>
+          </a:xfrm>
+          <a:prstGeom prst="rect">
+            <a:avLst/>
+          </a:prstGeom>
+        </p:spPr>
+      </p:pic>
     </p:spTree>
+    <p:extLst>
+      <p:ext uri="{BB962C8B-B14F-4D97-AF65-F5344CB8AC3E}">
+        <p14:creationId xmlns:p14="http://schemas.microsoft.com/office/powerpoint/2010/main" val="3215426042"/>
+      </p:ext>
+    </p:extLst>
   </p:cSld>
   <p:clrMapOvr>
     <a:masterClrMapping/>
